--- a/1821086_matsuo_Chart.pptx
+++ b/1821086_matsuo_Chart.pptx
@@ -197,7 +197,7 @@
           <a:p>
             <a:fld id="{869FDBD3-40C4-4F2A-82A8-38E5DBC6C4C1}" type="datetimeFigureOut">
               <a:rPr kumimoji="1" lang="ja-JP" altLang="en-US" smtClean="0"/>
-              <a:t>2021/5/11</a:t>
+              <a:t>2021/5/13</a:t>
             </a:fld>
             <a:endParaRPr kumimoji="1" lang="ja-JP" altLang="en-US"/>
           </a:p>
@@ -628,7 +628,7 @@
           <a:p>
             <a:fld id="{494AB2A1-E364-47CF-B5DC-53E264C607F6}" type="datetime1">
               <a:rPr kumimoji="1" lang="ja-JP" altLang="en-US" smtClean="0"/>
-              <a:t>2021/5/11</a:t>
+              <a:t>2021/5/13</a:t>
             </a:fld>
             <a:endParaRPr kumimoji="1" lang="ja-JP" altLang="en-US"/>
           </a:p>
@@ -830,7 +830,7 @@
           <a:p>
             <a:fld id="{493740D4-C406-4492-90E6-6432EEF92C60}" type="datetime1">
               <a:rPr kumimoji="1" lang="ja-JP" altLang="en-US" smtClean="0"/>
-              <a:t>2021/5/11</a:t>
+              <a:t>2021/5/13</a:t>
             </a:fld>
             <a:endParaRPr kumimoji="1" lang="ja-JP" altLang="en-US"/>
           </a:p>
@@ -1042,7 +1042,7 @@
           <a:p>
             <a:fld id="{ED69396B-CE42-4776-89F8-D39FC42CFB56}" type="datetime1">
               <a:rPr kumimoji="1" lang="ja-JP" altLang="en-US" smtClean="0"/>
-              <a:t>2021/5/11</a:t>
+              <a:t>2021/5/13</a:t>
             </a:fld>
             <a:endParaRPr kumimoji="1" lang="ja-JP" altLang="en-US"/>
           </a:p>
@@ -1244,7 +1244,7 @@
           <a:p>
             <a:fld id="{13625393-1B19-477D-ADB7-2A6386D3F149}" type="datetime1">
               <a:rPr kumimoji="1" lang="ja-JP" altLang="en-US" smtClean="0"/>
-              <a:t>2021/5/11</a:t>
+              <a:t>2021/5/13</a:t>
             </a:fld>
             <a:endParaRPr kumimoji="1" lang="ja-JP" altLang="en-US"/>
           </a:p>
@@ -1488,7 +1488,7 @@
           <a:p>
             <a:fld id="{E5FDA1EB-CBE3-4FB0-BB17-A44CDA0B54B3}" type="datetime1">
               <a:rPr kumimoji="1" lang="ja-JP" altLang="en-US" smtClean="0"/>
-              <a:t>2021/5/11</a:t>
+              <a:t>2021/5/13</a:t>
             </a:fld>
             <a:endParaRPr kumimoji="1" lang="ja-JP" altLang="en-US"/>
           </a:p>
@@ -1784,7 +1784,7 @@
           <a:p>
             <a:fld id="{C01EC069-9DC2-4DDB-AE63-C26A081803C1}" type="datetime1">
               <a:rPr kumimoji="1" lang="ja-JP" altLang="en-US" smtClean="0"/>
-              <a:t>2021/5/11</a:t>
+              <a:t>2021/5/13</a:t>
             </a:fld>
             <a:endParaRPr kumimoji="1" lang="ja-JP" altLang="en-US"/>
           </a:p>
@@ -2215,7 +2215,7 @@
           <a:p>
             <a:fld id="{FA16DDA6-9750-4222-A53D-9B2AFD4F7604}" type="datetime1">
               <a:rPr kumimoji="1" lang="ja-JP" altLang="en-US" smtClean="0"/>
-              <a:t>2021/5/11</a:t>
+              <a:t>2021/5/13</a:t>
             </a:fld>
             <a:endParaRPr kumimoji="1" lang="ja-JP" altLang="en-US"/>
           </a:p>
@@ -2333,7 +2333,7 @@
           <a:p>
             <a:fld id="{2A12A5DA-6757-4BE0-8138-B996B069D01C}" type="datetime1">
               <a:rPr kumimoji="1" lang="ja-JP" altLang="en-US" smtClean="0"/>
-              <a:t>2021/5/11</a:t>
+              <a:t>2021/5/13</a:t>
             </a:fld>
             <a:endParaRPr kumimoji="1" lang="ja-JP" altLang="en-US"/>
           </a:p>
@@ -2428,7 +2428,7 @@
           <a:p>
             <a:fld id="{80431E91-75F7-48C3-A2EB-716DBC94911B}" type="datetime1">
               <a:rPr kumimoji="1" lang="ja-JP" altLang="en-US" smtClean="0"/>
-              <a:t>2021/5/11</a:t>
+              <a:t>2021/5/13</a:t>
             </a:fld>
             <a:endParaRPr kumimoji="1" lang="ja-JP" altLang="en-US"/>
           </a:p>
@@ -2737,7 +2737,7 @@
           <a:p>
             <a:fld id="{2FD4BF64-4643-4F2F-9E14-ABA1F12A43DE}" type="datetime1">
               <a:rPr kumimoji="1" lang="ja-JP" altLang="en-US" smtClean="0"/>
-              <a:t>2021/5/11</a:t>
+              <a:t>2021/5/13</a:t>
             </a:fld>
             <a:endParaRPr kumimoji="1" lang="ja-JP" altLang="en-US"/>
           </a:p>
@@ -2994,7 +2994,7 @@
           <a:p>
             <a:fld id="{4775FF6E-0AC3-4CFF-BD5F-615BAFBBFB63}" type="datetime1">
               <a:rPr kumimoji="1" lang="ja-JP" altLang="en-US" smtClean="0"/>
-              <a:t>2021/5/11</a:t>
+              <a:t>2021/5/13</a:t>
             </a:fld>
             <a:endParaRPr kumimoji="1" lang="ja-JP" altLang="en-US"/>
           </a:p>
@@ -3239,7 +3239,7 @@
           <a:p>
             <a:fld id="{63DC7EF6-3FB0-4B29-8D75-11EE9B911EFB}" type="datetime1">
               <a:rPr kumimoji="1" lang="ja-JP" altLang="en-US" smtClean="0"/>
-              <a:t>2021/5/11</a:t>
+              <a:t>2021/5/13</a:t>
             </a:fld>
             <a:endParaRPr kumimoji="1" lang="ja-JP" altLang="en-US"/>
           </a:p>
@@ -3688,90 +3688,6 @@
               <a:t>図表だけのパワポ</a:t>
             </a:r>
             <a:endParaRPr kumimoji="1" lang="ja-JP" altLang="en-US" dirty="0"/>
-          </a:p>
-        </p:txBody>
-      </p:sp>
-      <p:sp>
-        <p:nvSpPr>
-          <p:cNvPr id="7" name="正方形/長方形 6"/>
-          <p:cNvSpPr/>
-          <p:nvPr/>
-        </p:nvSpPr>
-        <p:spPr>
-          <a:xfrm>
-            <a:off x="1043873" y="2103929"/>
-            <a:ext cx="1367554" cy="776836"/>
-          </a:xfrm>
-          <a:prstGeom prst="rect">
-            <a:avLst/>
-          </a:prstGeom>
-        </p:spPr>
-        <p:style>
-          <a:lnRef idx="2">
-            <a:schemeClr val="accent1">
-              <a:shade val="50000"/>
-            </a:schemeClr>
-          </a:lnRef>
-          <a:fillRef idx="1">
-            <a:schemeClr val="accent1"/>
-          </a:fillRef>
-          <a:effectRef idx="0">
-            <a:schemeClr val="accent1"/>
-          </a:effectRef>
-          <a:fontRef idx="minor">
-            <a:schemeClr val="lt1"/>
-          </a:fontRef>
-        </p:style>
-        <p:txBody>
-          <a:bodyPr rtlCol="0" anchor="ctr"/>
-          <a:lstStyle/>
-          <a:p>
-            <a:pPr algn="ctr"/>
-            <a:endParaRPr kumimoji="1" lang="ja-JP" altLang="en-US"/>
-          </a:p>
-        </p:txBody>
-      </p:sp>
-      <p:sp>
-        <p:nvSpPr>
-          <p:cNvPr id="8" name="正方形/長方形 7"/>
-          <p:cNvSpPr/>
-          <p:nvPr/>
-        </p:nvSpPr>
-        <p:spPr>
-          <a:xfrm>
-            <a:off x="3583424" y="1715511"/>
-            <a:ext cx="1367554" cy="776836"/>
-          </a:xfrm>
-          <a:prstGeom prst="rect">
-            <a:avLst/>
-          </a:prstGeom>
-        </p:spPr>
-        <p:style>
-          <a:lnRef idx="2">
-            <a:schemeClr val="accent1">
-              <a:shade val="50000"/>
-            </a:schemeClr>
-          </a:lnRef>
-          <a:fillRef idx="1">
-            <a:schemeClr val="accent1"/>
-          </a:fillRef>
-          <a:effectRef idx="0">
-            <a:schemeClr val="accent1"/>
-          </a:effectRef>
-          <a:fontRef idx="minor">
-            <a:schemeClr val="lt1"/>
-          </a:fontRef>
-        </p:style>
-        <p:txBody>
-          <a:bodyPr rtlCol="0" anchor="ctr"/>
-          <a:lstStyle/>
-          <a:p>
-            <a:pPr algn="ctr"/>
-            <a:r>
-              <a:rPr kumimoji="1" lang="en-US" altLang="ja-JP" sz="4000" dirty="0" smtClean="0"/>
-              <a:t>A</a:t>
-            </a:r>
-            <a:endParaRPr kumimoji="1" lang="ja-JP" altLang="en-US" sz="4000" dirty="0"/>
           </a:p>
         </p:txBody>
       </p:sp>

--- a/1821086_matsuo_Chart.pptx
+++ b/1821086_matsuo_Chart.pptx
@@ -5,10 +5,11 @@
     <p:sldMasterId id="2147483660" r:id="rId1"/>
   </p:sldMasterIdLst>
   <p:notesMasterIdLst>
-    <p:notesMasterId r:id="rId3"/>
+    <p:notesMasterId r:id="rId4"/>
   </p:notesMasterIdLst>
   <p:sldIdLst>
-    <p:sldId id="275" r:id="rId2"/>
+    <p:sldId id="276" r:id="rId2"/>
+    <p:sldId id="275" r:id="rId3"/>
   </p:sldIdLst>
   <p:sldSz cx="9144000" cy="6858000" type="screen4x3"/>
   <p:notesSz cx="6858000" cy="9144000"/>
@@ -197,7 +198,7 @@
           <a:p>
             <a:fld id="{869FDBD3-40C4-4F2A-82A8-38E5DBC6C4C1}" type="datetimeFigureOut">
               <a:rPr kumimoji="1" lang="ja-JP" altLang="en-US" smtClean="0"/>
-              <a:t>2021/5/13</a:t>
+              <a:t>2021/5/31</a:t>
             </a:fld>
             <a:endParaRPr kumimoji="1" lang="ja-JP" altLang="en-US"/>
           </a:p>
@@ -628,7 +629,7 @@
           <a:p>
             <a:fld id="{494AB2A1-E364-47CF-B5DC-53E264C607F6}" type="datetime1">
               <a:rPr kumimoji="1" lang="ja-JP" altLang="en-US" smtClean="0"/>
-              <a:t>2021/5/13</a:t>
+              <a:t>2021/5/31</a:t>
             </a:fld>
             <a:endParaRPr kumimoji="1" lang="ja-JP" altLang="en-US"/>
           </a:p>
@@ -830,7 +831,7 @@
           <a:p>
             <a:fld id="{493740D4-C406-4492-90E6-6432EEF92C60}" type="datetime1">
               <a:rPr kumimoji="1" lang="ja-JP" altLang="en-US" smtClean="0"/>
-              <a:t>2021/5/13</a:t>
+              <a:t>2021/5/31</a:t>
             </a:fld>
             <a:endParaRPr kumimoji="1" lang="ja-JP" altLang="en-US"/>
           </a:p>
@@ -1042,7 +1043,7 @@
           <a:p>
             <a:fld id="{ED69396B-CE42-4776-89F8-D39FC42CFB56}" type="datetime1">
               <a:rPr kumimoji="1" lang="ja-JP" altLang="en-US" smtClean="0"/>
-              <a:t>2021/5/13</a:t>
+              <a:t>2021/5/31</a:t>
             </a:fld>
             <a:endParaRPr kumimoji="1" lang="ja-JP" altLang="en-US"/>
           </a:p>
@@ -1244,7 +1245,7 @@
           <a:p>
             <a:fld id="{13625393-1B19-477D-ADB7-2A6386D3F149}" type="datetime1">
               <a:rPr kumimoji="1" lang="ja-JP" altLang="en-US" smtClean="0"/>
-              <a:t>2021/5/13</a:t>
+              <a:t>2021/5/31</a:t>
             </a:fld>
             <a:endParaRPr kumimoji="1" lang="ja-JP" altLang="en-US"/>
           </a:p>
@@ -1488,7 +1489,7 @@
           <a:p>
             <a:fld id="{E5FDA1EB-CBE3-4FB0-BB17-A44CDA0B54B3}" type="datetime1">
               <a:rPr kumimoji="1" lang="ja-JP" altLang="en-US" smtClean="0"/>
-              <a:t>2021/5/13</a:t>
+              <a:t>2021/5/31</a:t>
             </a:fld>
             <a:endParaRPr kumimoji="1" lang="ja-JP" altLang="en-US"/>
           </a:p>
@@ -1784,7 +1785,7 @@
           <a:p>
             <a:fld id="{C01EC069-9DC2-4DDB-AE63-C26A081803C1}" type="datetime1">
               <a:rPr kumimoji="1" lang="ja-JP" altLang="en-US" smtClean="0"/>
-              <a:t>2021/5/13</a:t>
+              <a:t>2021/5/31</a:t>
             </a:fld>
             <a:endParaRPr kumimoji="1" lang="ja-JP" altLang="en-US"/>
           </a:p>
@@ -2215,7 +2216,7 @@
           <a:p>
             <a:fld id="{FA16DDA6-9750-4222-A53D-9B2AFD4F7604}" type="datetime1">
               <a:rPr kumimoji="1" lang="ja-JP" altLang="en-US" smtClean="0"/>
-              <a:t>2021/5/13</a:t>
+              <a:t>2021/5/31</a:t>
             </a:fld>
             <a:endParaRPr kumimoji="1" lang="ja-JP" altLang="en-US"/>
           </a:p>
@@ -2333,7 +2334,7 @@
           <a:p>
             <a:fld id="{2A12A5DA-6757-4BE0-8138-B996B069D01C}" type="datetime1">
               <a:rPr kumimoji="1" lang="ja-JP" altLang="en-US" smtClean="0"/>
-              <a:t>2021/5/13</a:t>
+              <a:t>2021/5/31</a:t>
             </a:fld>
             <a:endParaRPr kumimoji="1" lang="ja-JP" altLang="en-US"/>
           </a:p>
@@ -2428,7 +2429,7 @@
           <a:p>
             <a:fld id="{80431E91-75F7-48C3-A2EB-716DBC94911B}" type="datetime1">
               <a:rPr kumimoji="1" lang="ja-JP" altLang="en-US" smtClean="0"/>
-              <a:t>2021/5/13</a:t>
+              <a:t>2021/5/31</a:t>
             </a:fld>
             <a:endParaRPr kumimoji="1" lang="ja-JP" altLang="en-US"/>
           </a:p>
@@ -2737,7 +2738,7 @@
           <a:p>
             <a:fld id="{2FD4BF64-4643-4F2F-9E14-ABA1F12A43DE}" type="datetime1">
               <a:rPr kumimoji="1" lang="ja-JP" altLang="en-US" smtClean="0"/>
-              <a:t>2021/5/13</a:t>
+              <a:t>2021/5/31</a:t>
             </a:fld>
             <a:endParaRPr kumimoji="1" lang="ja-JP" altLang="en-US"/>
           </a:p>
@@ -2994,7 +2995,7 @@
           <a:p>
             <a:fld id="{4775FF6E-0AC3-4CFF-BD5F-615BAFBBFB63}" type="datetime1">
               <a:rPr kumimoji="1" lang="ja-JP" altLang="en-US" smtClean="0"/>
-              <a:t>2021/5/13</a:t>
+              <a:t>2021/5/31</a:t>
             </a:fld>
             <a:endParaRPr kumimoji="1" lang="ja-JP" altLang="en-US"/>
           </a:p>
@@ -3239,7 +3240,7 @@
           <a:p>
             <a:fld id="{63DC7EF6-3FB0-4B29-8D75-11EE9B911EFB}" type="datetime1">
               <a:rPr kumimoji="1" lang="ja-JP" altLang="en-US" smtClean="0"/>
-              <a:t>2021/5/13</a:t>
+              <a:t>2021/5/31</a:t>
             </a:fld>
             <a:endParaRPr kumimoji="1" lang="ja-JP" altLang="en-US"/>
           </a:p>
@@ -3647,6 +3648,29 @@
       </p:grpSpPr>
       <p:sp>
         <p:nvSpPr>
+          <p:cNvPr id="2" name="タイトル 1"/>
+          <p:cNvSpPr>
+            <a:spLocks noGrp="1"/>
+          </p:cNvSpPr>
+          <p:nvPr>
+            <p:ph type="title"/>
+          </p:nvPr>
+        </p:nvSpPr>
+        <p:spPr/>
+        <p:txBody>
+          <a:bodyPr/>
+          <a:lstStyle/>
+          <a:p>
+            <a:r>
+              <a:rPr kumimoji="1" lang="ja-JP" altLang="en-US" dirty="0" smtClean="0"/>
+              <a:t>図表だけのパワポ</a:t>
+            </a:r>
+            <a:endParaRPr kumimoji="1" lang="ja-JP" altLang="en-US" dirty="0"/>
+          </a:p>
+        </p:txBody>
+      </p:sp>
+      <p:sp>
+        <p:nvSpPr>
           <p:cNvPr id="3" name="スライド番号プレースホルダー 2"/>
           <p:cNvSpPr>
             <a:spLocks noGrp="1"/>
@@ -3668,29 +3692,1018 @@
           </a:p>
         </p:txBody>
       </p:sp>
-      <p:sp>
-        <p:nvSpPr>
-          <p:cNvPr id="6" name="タイトル 5"/>
-          <p:cNvSpPr>
-            <a:spLocks noGrp="1"/>
-          </p:cNvSpPr>
-          <p:nvPr>
-            <p:ph type="title"/>
-          </p:nvPr>
-        </p:nvSpPr>
-        <p:spPr/>
-        <p:txBody>
-          <a:bodyPr/>
-          <a:lstStyle/>
-          <a:p>
-            <a:r>
-              <a:rPr kumimoji="1" lang="ja-JP" altLang="en-US" dirty="0" smtClean="0"/>
-              <a:t>図表だけのパワポ</a:t>
-            </a:r>
-            <a:endParaRPr kumimoji="1" lang="ja-JP" altLang="en-US" dirty="0"/>
-          </a:p>
-        </p:txBody>
-      </p:sp>
+    </p:spTree>
+    <p:extLst>
+      <p:ext uri="{BB962C8B-B14F-4D97-AF65-F5344CB8AC3E}">
+        <p14:creationId xmlns:p14="http://schemas.microsoft.com/office/powerpoint/2010/main" val="2865080098"/>
+      </p:ext>
+    </p:extLst>
+  </p:cSld>
+  <p:clrMapOvr>
+    <a:masterClrMapping/>
+  </p:clrMapOvr>
+</p:sld>
+</file>
+
+<file path=ppt/slides/slide2.xml><?xml version="1.0" encoding="utf-8"?>
+<p:sld xmlns:a="http://schemas.openxmlformats.org/drawingml/2006/main" xmlns:r="http://schemas.openxmlformats.org/officeDocument/2006/relationships" xmlns:p="http://schemas.openxmlformats.org/presentationml/2006/main">
+  <p:cSld>
+    <p:spTree>
+      <p:nvGrpSpPr>
+        <p:cNvPr id="1" name=""/>
+        <p:cNvGrpSpPr/>
+        <p:nvPr/>
+      </p:nvGrpSpPr>
+      <p:grpSpPr>
+        <a:xfrm>
+          <a:off x="0" y="0"/>
+          <a:ext cx="0" cy="0"/>
+          <a:chOff x="0" y="0"/>
+          <a:chExt cx="0" cy="0"/>
+        </a:xfrm>
+      </p:grpSpPr>
+      <p:grpSp>
+        <p:nvGrpSpPr>
+          <p:cNvPr id="59" name="グループ化 58"/>
+          <p:cNvGrpSpPr/>
+          <p:nvPr/>
+        </p:nvGrpSpPr>
+        <p:grpSpPr>
+          <a:xfrm>
+            <a:off x="547730" y="1251990"/>
+            <a:ext cx="8257015" cy="4287077"/>
+            <a:chOff x="628650" y="1826524"/>
+            <a:chExt cx="8257015" cy="4287077"/>
+          </a:xfrm>
+        </p:grpSpPr>
+        <p:sp>
+          <p:nvSpPr>
+            <p:cNvPr id="31" name="直方体 30"/>
+            <p:cNvSpPr/>
+            <p:nvPr/>
+          </p:nvSpPr>
+          <p:spPr>
+            <a:xfrm>
+              <a:off x="4937127" y="2294217"/>
+              <a:ext cx="1359462" cy="772790"/>
+            </a:xfrm>
+            <a:prstGeom prst="cube">
+              <a:avLst/>
+            </a:prstGeom>
+            <a:solidFill>
+              <a:schemeClr val="accent2">
+                <a:lumMod val="20000"/>
+                <a:lumOff val="80000"/>
+              </a:schemeClr>
+            </a:solidFill>
+            <a:ln>
+              <a:solidFill>
+                <a:schemeClr val="bg1">
+                  <a:lumMod val="50000"/>
+                </a:schemeClr>
+              </a:solidFill>
+            </a:ln>
+          </p:spPr>
+          <p:style>
+            <a:lnRef idx="2">
+              <a:schemeClr val="accent1">
+                <a:shade val="50000"/>
+              </a:schemeClr>
+            </a:lnRef>
+            <a:fillRef idx="1">
+              <a:schemeClr val="accent1"/>
+            </a:fillRef>
+            <a:effectRef idx="0">
+              <a:schemeClr val="accent1"/>
+            </a:effectRef>
+            <a:fontRef idx="minor">
+              <a:schemeClr val="lt1"/>
+            </a:fontRef>
+          </p:style>
+          <p:txBody>
+            <a:bodyPr rtlCol="0" anchor="ctr"/>
+            <a:lstStyle/>
+            <a:p>
+              <a:pPr algn="ctr"/>
+              <a:endParaRPr kumimoji="1" lang="ja-JP" altLang="en-US" dirty="0">
+                <a:solidFill>
+                  <a:schemeClr val="tx1"/>
+                </a:solidFill>
+              </a:endParaRPr>
+            </a:p>
+          </p:txBody>
+        </p:sp>
+        <p:grpSp>
+          <p:nvGrpSpPr>
+            <p:cNvPr id="29" name="グループ化 28"/>
+            <p:cNvGrpSpPr/>
+            <p:nvPr/>
+          </p:nvGrpSpPr>
+          <p:grpSpPr>
+            <a:xfrm>
+              <a:off x="628650" y="1826524"/>
+              <a:ext cx="8257015" cy="4287077"/>
+              <a:chOff x="784928" y="1362230"/>
+              <a:chExt cx="8257015" cy="4287077"/>
+            </a:xfrm>
+          </p:grpSpPr>
+          <p:cxnSp>
+            <p:nvCxnSpPr>
+              <p:cNvPr id="15" name="直線コネクタ 14"/>
+              <p:cNvCxnSpPr/>
+              <p:nvPr/>
+            </p:nvCxnSpPr>
+            <p:spPr>
+              <a:xfrm flipV="1">
+                <a:off x="2276450" y="3665691"/>
+                <a:ext cx="2520558" cy="20231"/>
+              </a:xfrm>
+              <a:prstGeom prst="line">
+                <a:avLst/>
+              </a:prstGeom>
+              <a:ln w="28575"/>
+            </p:spPr>
+            <p:style>
+              <a:lnRef idx="1">
+                <a:schemeClr val="accent2"/>
+              </a:lnRef>
+              <a:fillRef idx="0">
+                <a:schemeClr val="accent2"/>
+              </a:fillRef>
+              <a:effectRef idx="0">
+                <a:schemeClr val="accent2"/>
+              </a:effectRef>
+              <a:fontRef idx="minor">
+                <a:schemeClr val="tx1"/>
+              </a:fontRef>
+            </p:style>
+          </p:cxnSp>
+          <p:sp>
+            <p:nvSpPr>
+              <p:cNvPr id="4" name="雲 3"/>
+              <p:cNvSpPr/>
+              <p:nvPr/>
+            </p:nvSpPr>
+            <p:spPr>
+              <a:xfrm>
+                <a:off x="784928" y="3212538"/>
+                <a:ext cx="1691235" cy="946768"/>
+              </a:xfrm>
+              <a:prstGeom prst="cloud">
+                <a:avLst/>
+              </a:prstGeom>
+              <a:solidFill>
+                <a:schemeClr val="accent2">
+                  <a:lumMod val="20000"/>
+                  <a:lumOff val="80000"/>
+                </a:schemeClr>
+              </a:solidFill>
+              <a:ln>
+                <a:solidFill>
+                  <a:schemeClr val="bg1">
+                    <a:lumMod val="50000"/>
+                  </a:schemeClr>
+                </a:solidFill>
+              </a:ln>
+            </p:spPr>
+            <p:style>
+              <a:lnRef idx="2">
+                <a:schemeClr val="accent1">
+                  <a:shade val="50000"/>
+                </a:schemeClr>
+              </a:lnRef>
+              <a:fillRef idx="1">
+                <a:schemeClr val="accent1"/>
+              </a:fillRef>
+              <a:effectRef idx="0">
+                <a:schemeClr val="accent1"/>
+              </a:effectRef>
+              <a:fontRef idx="minor">
+                <a:schemeClr val="lt1"/>
+              </a:fontRef>
+            </p:style>
+            <p:txBody>
+              <a:bodyPr rtlCol="0" anchor="ctr"/>
+              <a:lstStyle/>
+              <a:p>
+                <a:pPr algn="ctr"/>
+                <a:endParaRPr kumimoji="1" lang="ja-JP" altLang="en-US"/>
+              </a:p>
+            </p:txBody>
+          </p:sp>
+          <p:sp>
+            <p:nvSpPr>
+              <p:cNvPr id="5" name="フローチャート: 磁気ディスク 4"/>
+              <p:cNvSpPr/>
+              <p:nvPr/>
+            </p:nvSpPr>
+            <p:spPr>
+              <a:xfrm>
+                <a:off x="2775569" y="3172077"/>
+                <a:ext cx="1124793" cy="987229"/>
+              </a:xfrm>
+              <a:prstGeom prst="flowChartMagneticDisk">
+                <a:avLst/>
+              </a:prstGeom>
+              <a:solidFill>
+                <a:schemeClr val="accent2">
+                  <a:lumMod val="20000"/>
+                  <a:lumOff val="80000"/>
+                </a:schemeClr>
+              </a:solidFill>
+              <a:ln>
+                <a:solidFill>
+                  <a:schemeClr val="bg1">
+                    <a:lumMod val="50000"/>
+                  </a:schemeClr>
+                </a:solidFill>
+              </a:ln>
+            </p:spPr>
+            <p:style>
+              <a:lnRef idx="2">
+                <a:schemeClr val="accent1">
+                  <a:shade val="50000"/>
+                </a:schemeClr>
+              </a:lnRef>
+              <a:fillRef idx="1">
+                <a:schemeClr val="accent1"/>
+              </a:fillRef>
+              <a:effectRef idx="0">
+                <a:schemeClr val="accent1"/>
+              </a:effectRef>
+              <a:fontRef idx="minor">
+                <a:schemeClr val="lt1"/>
+              </a:fontRef>
+            </p:style>
+            <p:txBody>
+              <a:bodyPr rtlCol="0" anchor="ctr"/>
+              <a:lstStyle/>
+              <a:p>
+                <a:pPr algn="ctr"/>
+                <a:endParaRPr kumimoji="1" lang="ja-JP" altLang="en-US"/>
+              </a:p>
+            </p:txBody>
+          </p:sp>
+          <p:sp>
+            <p:nvSpPr>
+              <p:cNvPr id="7" name="直方体 6"/>
+              <p:cNvSpPr/>
+              <p:nvPr/>
+            </p:nvSpPr>
+            <p:spPr>
+              <a:xfrm>
+                <a:off x="4315582" y="3279296"/>
+                <a:ext cx="1359462" cy="772790"/>
+              </a:xfrm>
+              <a:prstGeom prst="cube">
+                <a:avLst/>
+              </a:prstGeom>
+              <a:solidFill>
+                <a:schemeClr val="accent2">
+                  <a:lumMod val="20000"/>
+                  <a:lumOff val="80000"/>
+                </a:schemeClr>
+              </a:solidFill>
+              <a:ln>
+                <a:solidFill>
+                  <a:schemeClr val="bg1">
+                    <a:lumMod val="50000"/>
+                  </a:schemeClr>
+                </a:solidFill>
+              </a:ln>
+            </p:spPr>
+            <p:style>
+              <a:lnRef idx="2">
+                <a:schemeClr val="accent1">
+                  <a:shade val="50000"/>
+                </a:schemeClr>
+              </a:lnRef>
+              <a:fillRef idx="1">
+                <a:schemeClr val="accent1"/>
+              </a:fillRef>
+              <a:effectRef idx="0">
+                <a:schemeClr val="accent1"/>
+              </a:effectRef>
+              <a:fontRef idx="minor">
+                <a:schemeClr val="lt1"/>
+              </a:fontRef>
+            </p:style>
+            <p:txBody>
+              <a:bodyPr rtlCol="0" anchor="ctr"/>
+              <a:lstStyle/>
+              <a:p>
+                <a:pPr algn="ctr"/>
+                <a:endParaRPr kumimoji="1" lang="ja-JP" altLang="en-US" dirty="0">
+                  <a:solidFill>
+                    <a:schemeClr val="tx1"/>
+                  </a:solidFill>
+                </a:endParaRPr>
+              </a:p>
+            </p:txBody>
+          </p:sp>
+          <p:sp>
+            <p:nvSpPr>
+              <p:cNvPr id="8" name="フローチャート: 代替処理 7"/>
+              <p:cNvSpPr/>
+              <p:nvPr/>
+            </p:nvSpPr>
+            <p:spPr>
+              <a:xfrm>
+                <a:off x="7250464" y="2346689"/>
+                <a:ext cx="679730" cy="825388"/>
+              </a:xfrm>
+              <a:prstGeom prst="flowChartAlternateProcess">
+                <a:avLst/>
+              </a:prstGeom>
+              <a:solidFill>
+                <a:schemeClr val="accent2">
+                  <a:lumMod val="20000"/>
+                  <a:lumOff val="80000"/>
+                </a:schemeClr>
+              </a:solidFill>
+              <a:ln>
+                <a:solidFill>
+                  <a:schemeClr val="bg1">
+                    <a:lumMod val="50000"/>
+                  </a:schemeClr>
+                </a:solidFill>
+              </a:ln>
+            </p:spPr>
+            <p:style>
+              <a:lnRef idx="2">
+                <a:schemeClr val="accent1">
+                  <a:shade val="50000"/>
+                </a:schemeClr>
+              </a:lnRef>
+              <a:fillRef idx="1">
+                <a:schemeClr val="accent1"/>
+              </a:fillRef>
+              <a:effectRef idx="0">
+                <a:schemeClr val="accent1"/>
+              </a:effectRef>
+              <a:fontRef idx="minor">
+                <a:schemeClr val="lt1"/>
+              </a:fontRef>
+            </p:style>
+            <p:txBody>
+              <a:bodyPr rtlCol="0" anchor="ctr"/>
+              <a:lstStyle/>
+              <a:p>
+                <a:pPr algn="ctr"/>
+                <a:endParaRPr kumimoji="1" lang="ja-JP" altLang="en-US"/>
+              </a:p>
+            </p:txBody>
+          </p:sp>
+          <p:sp>
+            <p:nvSpPr>
+              <p:cNvPr id="9" name="フローチャート: 代替処理 8"/>
+              <p:cNvSpPr/>
+              <p:nvPr/>
+            </p:nvSpPr>
+            <p:spPr>
+              <a:xfrm>
+                <a:off x="7250464" y="3333917"/>
+                <a:ext cx="679730" cy="825388"/>
+              </a:xfrm>
+              <a:prstGeom prst="flowChartAlternateProcess">
+                <a:avLst/>
+              </a:prstGeom>
+              <a:solidFill>
+                <a:schemeClr val="accent2">
+                  <a:lumMod val="20000"/>
+                  <a:lumOff val="80000"/>
+                </a:schemeClr>
+              </a:solidFill>
+              <a:ln>
+                <a:solidFill>
+                  <a:schemeClr val="bg1">
+                    <a:lumMod val="50000"/>
+                  </a:schemeClr>
+                </a:solidFill>
+              </a:ln>
+            </p:spPr>
+            <p:style>
+              <a:lnRef idx="2">
+                <a:schemeClr val="accent1">
+                  <a:shade val="50000"/>
+                </a:schemeClr>
+              </a:lnRef>
+              <a:fillRef idx="1">
+                <a:schemeClr val="accent1"/>
+              </a:fillRef>
+              <a:effectRef idx="0">
+                <a:schemeClr val="accent1"/>
+              </a:effectRef>
+              <a:fontRef idx="minor">
+                <a:schemeClr val="lt1"/>
+              </a:fontRef>
+            </p:style>
+            <p:txBody>
+              <a:bodyPr rtlCol="0" anchor="ctr"/>
+              <a:lstStyle/>
+              <a:p>
+                <a:pPr algn="ctr"/>
+                <a:endParaRPr kumimoji="1" lang="ja-JP" altLang="en-US"/>
+              </a:p>
+            </p:txBody>
+          </p:sp>
+          <p:sp>
+            <p:nvSpPr>
+              <p:cNvPr id="10" name="フローチャート: 代替処理 9"/>
+              <p:cNvSpPr/>
+              <p:nvPr/>
+            </p:nvSpPr>
+            <p:spPr>
+              <a:xfrm>
+                <a:off x="7250464" y="4356226"/>
+                <a:ext cx="679730" cy="825388"/>
+              </a:xfrm>
+              <a:prstGeom prst="flowChartAlternateProcess">
+                <a:avLst/>
+              </a:prstGeom>
+              <a:solidFill>
+                <a:schemeClr val="accent2">
+                  <a:lumMod val="20000"/>
+                  <a:lumOff val="80000"/>
+                </a:schemeClr>
+              </a:solidFill>
+              <a:ln>
+                <a:solidFill>
+                  <a:schemeClr val="bg1">
+                    <a:lumMod val="50000"/>
+                  </a:schemeClr>
+                </a:solidFill>
+              </a:ln>
+            </p:spPr>
+            <p:style>
+              <a:lnRef idx="2">
+                <a:schemeClr val="accent1">
+                  <a:shade val="50000"/>
+                </a:schemeClr>
+              </a:lnRef>
+              <a:fillRef idx="1">
+                <a:schemeClr val="accent1"/>
+              </a:fillRef>
+              <a:effectRef idx="0">
+                <a:schemeClr val="accent1"/>
+              </a:effectRef>
+              <a:fontRef idx="minor">
+                <a:schemeClr val="lt1"/>
+              </a:fontRef>
+            </p:style>
+            <p:txBody>
+              <a:bodyPr rtlCol="0" anchor="ctr"/>
+              <a:lstStyle/>
+              <a:p>
+                <a:pPr algn="ctr"/>
+                <a:endParaRPr kumimoji="1" lang="ja-JP" altLang="en-US"/>
+              </a:p>
+            </p:txBody>
+          </p:sp>
+          <p:sp>
+            <p:nvSpPr>
+              <p:cNvPr id="11" name="テキスト ボックス 10"/>
+              <p:cNvSpPr txBox="1"/>
+              <p:nvPr/>
+            </p:nvSpPr>
+            <p:spPr>
+              <a:xfrm>
+                <a:off x="4095066" y="4124687"/>
+                <a:ext cx="1800493" cy="369332"/>
+              </a:xfrm>
+              <a:prstGeom prst="rect">
+                <a:avLst/>
+              </a:prstGeom>
+              <a:noFill/>
+            </p:spPr>
+            <p:txBody>
+              <a:bodyPr wrap="none" rtlCol="0">
+                <a:spAutoFit/>
+              </a:bodyPr>
+              <a:lstStyle/>
+              <a:p>
+                <a:r>
+                  <a:rPr kumimoji="1" lang="ja-JP" altLang="en-US" dirty="0" smtClean="0"/>
+                  <a:t>ロードバランサ</a:t>
+                </a:r>
+                <a:endParaRPr kumimoji="1" lang="ja-JP" altLang="en-US" dirty="0"/>
+              </a:p>
+            </p:txBody>
+          </p:sp>
+          <p:sp>
+            <p:nvSpPr>
+              <p:cNvPr id="12" name="テキスト ボックス 11"/>
+              <p:cNvSpPr txBox="1"/>
+              <p:nvPr/>
+            </p:nvSpPr>
+            <p:spPr>
+              <a:xfrm>
+                <a:off x="2775569" y="4171560"/>
+                <a:ext cx="1107996" cy="369332"/>
+              </a:xfrm>
+              <a:prstGeom prst="rect">
+                <a:avLst/>
+              </a:prstGeom>
+              <a:noFill/>
+            </p:spPr>
+            <p:txBody>
+              <a:bodyPr wrap="none" rtlCol="0">
+                <a:spAutoFit/>
+              </a:bodyPr>
+              <a:lstStyle/>
+              <a:p>
+                <a:r>
+                  <a:rPr kumimoji="1" lang="ja-JP" altLang="en-US" dirty="0" smtClean="0"/>
+                  <a:t>ルーター</a:t>
+                </a:r>
+                <a:endParaRPr kumimoji="1" lang="ja-JP" altLang="en-US" dirty="0"/>
+              </a:p>
+            </p:txBody>
+          </p:sp>
+          <p:sp>
+            <p:nvSpPr>
+              <p:cNvPr id="13" name="テキスト ボックス 12"/>
+              <p:cNvSpPr txBox="1"/>
+              <p:nvPr/>
+            </p:nvSpPr>
+            <p:spPr>
+              <a:xfrm>
+                <a:off x="1299781" y="3501256"/>
+                <a:ext cx="661528" cy="369332"/>
+              </a:xfrm>
+              <a:prstGeom prst="rect">
+                <a:avLst/>
+              </a:prstGeom>
+              <a:noFill/>
+            </p:spPr>
+            <p:txBody>
+              <a:bodyPr wrap="none" rtlCol="0">
+                <a:spAutoFit/>
+              </a:bodyPr>
+              <a:lstStyle/>
+              <a:p>
+                <a:r>
+                  <a:rPr kumimoji="1" lang="en-US" altLang="ja-JP" dirty="0" smtClean="0"/>
+                  <a:t>WAN</a:t>
+                </a:r>
+                <a:endParaRPr kumimoji="1" lang="ja-JP" altLang="en-US" dirty="0"/>
+              </a:p>
+            </p:txBody>
+          </p:sp>
+          <p:sp>
+            <p:nvSpPr>
+              <p:cNvPr id="24" name="テキスト ボックス 23"/>
+              <p:cNvSpPr txBox="1"/>
+              <p:nvPr/>
+            </p:nvSpPr>
+            <p:spPr>
+              <a:xfrm>
+                <a:off x="7958366" y="2561360"/>
+                <a:ext cx="1010213" cy="369332"/>
+              </a:xfrm>
+              <a:prstGeom prst="rect">
+                <a:avLst/>
+              </a:prstGeom>
+              <a:noFill/>
+            </p:spPr>
+            <p:txBody>
+              <a:bodyPr wrap="none" rtlCol="0">
+                <a:spAutoFit/>
+              </a:bodyPr>
+              <a:lstStyle/>
+              <a:p>
+                <a:r>
+                  <a:rPr kumimoji="1" lang="ja-JP" altLang="en-US" dirty="0" smtClean="0"/>
+                  <a:t>サーバ</a:t>
+                </a:r>
+                <a:r>
+                  <a:rPr kumimoji="1" lang="en-US" altLang="ja-JP" dirty="0" smtClean="0"/>
+                  <a:t>A</a:t>
+                </a:r>
+                <a:endParaRPr kumimoji="1" lang="ja-JP" altLang="en-US" dirty="0"/>
+              </a:p>
+            </p:txBody>
+          </p:sp>
+          <p:sp>
+            <p:nvSpPr>
+              <p:cNvPr id="25" name="テキスト ボックス 24"/>
+              <p:cNvSpPr txBox="1"/>
+              <p:nvPr/>
+            </p:nvSpPr>
+            <p:spPr>
+              <a:xfrm>
+                <a:off x="7955622" y="3561945"/>
+                <a:ext cx="1069524" cy="369332"/>
+              </a:xfrm>
+              <a:prstGeom prst="rect">
+                <a:avLst/>
+              </a:prstGeom>
+              <a:noFill/>
+            </p:spPr>
+            <p:txBody>
+              <a:bodyPr wrap="none" rtlCol="0">
+                <a:spAutoFit/>
+              </a:bodyPr>
+              <a:lstStyle/>
+              <a:p>
+                <a:r>
+                  <a:rPr kumimoji="1" lang="ja-JP" altLang="en-US" dirty="0" smtClean="0"/>
+                  <a:t>サーバ</a:t>
+                </a:r>
+                <a:r>
+                  <a:rPr kumimoji="1" lang="en-US" altLang="ja-JP" dirty="0" smtClean="0"/>
+                  <a:t>A</a:t>
+                </a:r>
+                <a:r>
+                  <a:rPr kumimoji="1" lang="ja-JP" altLang="en-US" dirty="0" smtClean="0"/>
+                  <a:t>’</a:t>
+                </a:r>
+                <a:endParaRPr kumimoji="1" lang="ja-JP" altLang="en-US" dirty="0"/>
+              </a:p>
+            </p:txBody>
+          </p:sp>
+          <p:sp>
+            <p:nvSpPr>
+              <p:cNvPr id="26" name="テキスト ボックス 25"/>
+              <p:cNvSpPr txBox="1"/>
+              <p:nvPr/>
+            </p:nvSpPr>
+            <p:spPr>
+              <a:xfrm>
+                <a:off x="7913108" y="4595576"/>
+                <a:ext cx="1128835" cy="369332"/>
+              </a:xfrm>
+              <a:prstGeom prst="rect">
+                <a:avLst/>
+              </a:prstGeom>
+              <a:noFill/>
+            </p:spPr>
+            <p:txBody>
+              <a:bodyPr wrap="none" rtlCol="0">
+                <a:spAutoFit/>
+              </a:bodyPr>
+              <a:lstStyle/>
+              <a:p>
+                <a:r>
+                  <a:rPr kumimoji="1" lang="ja-JP" altLang="en-US" dirty="0" smtClean="0"/>
+                  <a:t>サーバ</a:t>
+                </a:r>
+                <a:r>
+                  <a:rPr kumimoji="1" lang="en-US" altLang="ja-JP" dirty="0" smtClean="0"/>
+                  <a:t>A</a:t>
+                </a:r>
+                <a:r>
+                  <a:rPr kumimoji="1" lang="ja-JP" altLang="en-US" dirty="0" smtClean="0"/>
+                  <a:t>’’</a:t>
+                </a:r>
+                <a:endParaRPr kumimoji="1" lang="ja-JP" altLang="en-US" dirty="0"/>
+              </a:p>
+            </p:txBody>
+          </p:sp>
+          <p:sp>
+            <p:nvSpPr>
+              <p:cNvPr id="27" name="テキスト ボックス 26"/>
+              <p:cNvSpPr txBox="1"/>
+              <p:nvPr/>
+            </p:nvSpPr>
+            <p:spPr>
+              <a:xfrm>
+                <a:off x="4295808" y="1362230"/>
+                <a:ext cx="2954655" cy="369332"/>
+              </a:xfrm>
+              <a:prstGeom prst="rect">
+                <a:avLst/>
+              </a:prstGeom>
+              <a:noFill/>
+            </p:spPr>
+            <p:txBody>
+              <a:bodyPr wrap="none" rtlCol="0">
+                <a:spAutoFit/>
+              </a:bodyPr>
+              <a:lstStyle/>
+              <a:p>
+                <a:r>
+                  <a:rPr kumimoji="1" lang="ja-JP" altLang="en-US" dirty="0" smtClean="0"/>
+                  <a:t>平均応答速度</a:t>
+                </a:r>
+                <a:r>
+                  <a:rPr kumimoji="1" lang="ja-JP" altLang="en-US" dirty="0"/>
+                  <a:t>の</a:t>
+                </a:r>
+                <a:r>
+                  <a:rPr kumimoji="1" lang="ja-JP" altLang="en-US" dirty="0" smtClean="0"/>
+                  <a:t>計測サーバ</a:t>
+                </a:r>
+                <a:endParaRPr kumimoji="1" lang="ja-JP" altLang="en-US" dirty="0"/>
+              </a:p>
+            </p:txBody>
+          </p:sp>
+          <p:sp>
+            <p:nvSpPr>
+              <p:cNvPr id="28" name="テキスト ボックス 27"/>
+              <p:cNvSpPr txBox="1"/>
+              <p:nvPr/>
+            </p:nvSpPr>
+            <p:spPr>
+              <a:xfrm>
+                <a:off x="6714857" y="5279975"/>
+                <a:ext cx="1800493" cy="369332"/>
+              </a:xfrm>
+              <a:prstGeom prst="rect">
+                <a:avLst/>
+              </a:prstGeom>
+              <a:noFill/>
+            </p:spPr>
+            <p:txBody>
+              <a:bodyPr wrap="none" rtlCol="0">
+                <a:spAutoFit/>
+              </a:bodyPr>
+              <a:lstStyle/>
+              <a:p>
+                <a:r>
+                  <a:rPr kumimoji="1" lang="ja-JP" altLang="en-US" dirty="0" smtClean="0"/>
+                  <a:t>冗長的なサーバ</a:t>
+                </a:r>
+                <a:endParaRPr kumimoji="1" lang="ja-JP" altLang="en-US" dirty="0"/>
+              </a:p>
+            </p:txBody>
+          </p:sp>
+        </p:grpSp>
+        <p:cxnSp>
+          <p:nvCxnSpPr>
+            <p:cNvPr id="41" name="直線コネクタ 40"/>
+            <p:cNvCxnSpPr>
+              <a:stCxn id="31" idx="5"/>
+              <a:endCxn id="8" idx="1"/>
+            </p:cNvCxnSpPr>
+            <p:nvPr/>
+          </p:nvCxnSpPr>
+          <p:spPr>
+            <a:xfrm>
+              <a:off x="6296589" y="2584013"/>
+              <a:ext cx="797597" cy="639664"/>
+            </a:xfrm>
+            <a:prstGeom prst="line">
+              <a:avLst/>
+            </a:prstGeom>
+            <a:ln w="12700"/>
+          </p:spPr>
+          <p:style>
+            <a:lnRef idx="1">
+              <a:schemeClr val="dk1"/>
+            </a:lnRef>
+            <a:fillRef idx="0">
+              <a:schemeClr val="dk1"/>
+            </a:fillRef>
+            <a:effectRef idx="0">
+              <a:schemeClr val="dk1"/>
+            </a:effectRef>
+            <a:fontRef idx="minor">
+              <a:schemeClr val="tx1"/>
+            </a:fontRef>
+          </p:style>
+        </p:cxnSp>
+        <p:cxnSp>
+          <p:nvCxnSpPr>
+            <p:cNvPr id="42" name="直線コネクタ 41"/>
+            <p:cNvCxnSpPr>
+              <a:stCxn id="31" idx="5"/>
+              <a:endCxn id="9" idx="1"/>
+            </p:cNvCxnSpPr>
+            <p:nvPr/>
+          </p:nvCxnSpPr>
+          <p:spPr>
+            <a:xfrm>
+              <a:off x="6296589" y="2584013"/>
+              <a:ext cx="797597" cy="1626892"/>
+            </a:xfrm>
+            <a:prstGeom prst="line">
+              <a:avLst/>
+            </a:prstGeom>
+            <a:ln w="12700"/>
+          </p:spPr>
+          <p:style>
+            <a:lnRef idx="1">
+              <a:schemeClr val="dk1"/>
+            </a:lnRef>
+            <a:fillRef idx="0">
+              <a:schemeClr val="dk1"/>
+            </a:fillRef>
+            <a:effectRef idx="0">
+              <a:schemeClr val="dk1"/>
+            </a:effectRef>
+            <a:fontRef idx="minor">
+              <a:schemeClr val="tx1"/>
+            </a:fontRef>
+          </p:style>
+        </p:cxnSp>
+        <p:cxnSp>
+          <p:nvCxnSpPr>
+            <p:cNvPr id="45" name="直線コネクタ 44"/>
+            <p:cNvCxnSpPr>
+              <a:stCxn id="31" idx="5"/>
+              <a:endCxn id="10" idx="1"/>
+            </p:cNvCxnSpPr>
+            <p:nvPr/>
+          </p:nvCxnSpPr>
+          <p:spPr>
+            <a:xfrm>
+              <a:off x="6296589" y="2584013"/>
+              <a:ext cx="797597" cy="2649201"/>
+            </a:xfrm>
+            <a:prstGeom prst="line">
+              <a:avLst/>
+            </a:prstGeom>
+            <a:ln w="12700"/>
+          </p:spPr>
+          <p:style>
+            <a:lnRef idx="1">
+              <a:schemeClr val="dk1"/>
+            </a:lnRef>
+            <a:fillRef idx="0">
+              <a:schemeClr val="dk1"/>
+            </a:fillRef>
+            <a:effectRef idx="0">
+              <a:schemeClr val="dk1"/>
+            </a:effectRef>
+            <a:fontRef idx="minor">
+              <a:schemeClr val="tx1"/>
+            </a:fontRef>
+          </p:style>
+        </p:cxnSp>
+        <p:sp>
+          <p:nvSpPr>
+            <p:cNvPr id="51" name="テキスト ボックス 50"/>
+            <p:cNvSpPr txBox="1"/>
+            <p:nvPr/>
+          </p:nvSpPr>
+          <p:spPr>
+            <a:xfrm>
+              <a:off x="6419683" y="2584013"/>
+              <a:ext cx="646331" cy="369332"/>
+            </a:xfrm>
+            <a:prstGeom prst="rect">
+              <a:avLst/>
+            </a:prstGeom>
+            <a:noFill/>
+          </p:spPr>
+          <p:txBody>
+            <a:bodyPr wrap="none" rtlCol="0">
+              <a:spAutoFit/>
+            </a:bodyPr>
+            <a:lstStyle/>
+            <a:p>
+              <a:r>
+                <a:rPr kumimoji="1" lang="ja-JP" altLang="en-US"/>
+                <a:t>計測</a:t>
+              </a:r>
+            </a:p>
+          </p:txBody>
+        </p:sp>
+        <p:cxnSp>
+          <p:nvCxnSpPr>
+            <p:cNvPr id="53" name="直線矢印コネクタ 52"/>
+            <p:cNvCxnSpPr>
+              <a:stCxn id="31" idx="3"/>
+              <a:endCxn id="7" idx="0"/>
+            </p:cNvCxnSpPr>
+            <p:nvPr/>
+          </p:nvCxnSpPr>
+          <p:spPr>
+            <a:xfrm flipH="1">
+              <a:off x="4935634" y="3067007"/>
+              <a:ext cx="584625" cy="676583"/>
+            </a:xfrm>
+            <a:prstGeom prst="straightConnector1">
+              <a:avLst/>
+            </a:prstGeom>
+            <a:ln w="12700">
+              <a:tailEnd type="triangle"/>
+            </a:ln>
+          </p:spPr>
+          <p:style>
+            <a:lnRef idx="1">
+              <a:schemeClr val="dk1"/>
+            </a:lnRef>
+            <a:fillRef idx="0">
+              <a:schemeClr val="dk1"/>
+            </a:fillRef>
+            <a:effectRef idx="0">
+              <a:schemeClr val="dk1"/>
+            </a:effectRef>
+            <a:fontRef idx="minor">
+              <a:schemeClr val="tx1"/>
+            </a:fontRef>
+          </p:style>
+        </p:cxnSp>
+        <p:sp>
+          <p:nvSpPr>
+            <p:cNvPr id="54" name="テキスト ボックス 53"/>
+            <p:cNvSpPr txBox="1"/>
+            <p:nvPr/>
+          </p:nvSpPr>
+          <p:spPr>
+            <a:xfrm>
+              <a:off x="4141579" y="3073853"/>
+              <a:ext cx="1800493" cy="646331"/>
+            </a:xfrm>
+            <a:prstGeom prst="rect">
+              <a:avLst/>
+            </a:prstGeom>
+            <a:noFill/>
+          </p:spPr>
+          <p:txBody>
+            <a:bodyPr wrap="none" rtlCol="0">
+              <a:spAutoFit/>
+            </a:bodyPr>
+            <a:lstStyle/>
+            <a:p>
+              <a:r>
+                <a:rPr kumimoji="1" lang="ja-JP" altLang="en-US" dirty="0" smtClean="0"/>
+                <a:t>平均応答速度を</a:t>
+              </a:r>
+              <a:r>
+                <a:rPr kumimoji="1" lang="en-US" altLang="ja-JP" dirty="0" smtClean="0"/>
+                <a:t/>
+              </a:r>
+              <a:br>
+                <a:rPr kumimoji="1" lang="en-US" altLang="ja-JP" dirty="0" smtClean="0"/>
+              </a:br>
+              <a:r>
+                <a:rPr kumimoji="1" lang="ja-JP" altLang="en-US" dirty="0" smtClean="0"/>
+                <a:t>指標として送る</a:t>
+              </a:r>
+              <a:endParaRPr kumimoji="1" lang="en-US" altLang="ja-JP" dirty="0" smtClean="0"/>
+            </a:p>
+          </p:txBody>
+        </p:sp>
+        <p:cxnSp>
+          <p:nvCxnSpPr>
+            <p:cNvPr id="56" name="直線矢印コネクタ 55"/>
+            <p:cNvCxnSpPr>
+              <a:stCxn id="7" idx="5"/>
+              <a:endCxn id="10" idx="1"/>
+            </p:cNvCxnSpPr>
+            <p:nvPr/>
+          </p:nvCxnSpPr>
+          <p:spPr>
+            <a:xfrm>
+              <a:off x="5518766" y="4033386"/>
+              <a:ext cx="1575420" cy="1199828"/>
+            </a:xfrm>
+            <a:prstGeom prst="straightConnector1">
+              <a:avLst/>
+            </a:prstGeom>
+            <a:ln w="28575">
+              <a:tailEnd type="triangle"/>
+            </a:ln>
+          </p:spPr>
+          <p:style>
+            <a:lnRef idx="1">
+              <a:schemeClr val="accent2"/>
+            </a:lnRef>
+            <a:fillRef idx="0">
+              <a:schemeClr val="accent2"/>
+            </a:fillRef>
+            <a:effectRef idx="0">
+              <a:schemeClr val="accent2"/>
+            </a:effectRef>
+            <a:fontRef idx="minor">
+              <a:schemeClr val="tx1"/>
+            </a:fontRef>
+          </p:style>
+        </p:cxnSp>
+        <p:sp>
+          <p:nvSpPr>
+            <p:cNvPr id="57" name="テキスト ボックス 56"/>
+            <p:cNvSpPr txBox="1"/>
+            <p:nvPr/>
+          </p:nvSpPr>
+          <p:spPr>
+            <a:xfrm>
+              <a:off x="5772057" y="4604169"/>
+              <a:ext cx="1107996" cy="369332"/>
+            </a:xfrm>
+            <a:prstGeom prst="rect">
+              <a:avLst/>
+            </a:prstGeom>
+            <a:noFill/>
+          </p:spPr>
+          <p:txBody>
+            <a:bodyPr wrap="none" rtlCol="0">
+              <a:spAutoFit/>
+            </a:bodyPr>
+            <a:lstStyle/>
+            <a:p>
+              <a:r>
+                <a:rPr kumimoji="1" lang="ja-JP" altLang="en-US" dirty="0" smtClean="0"/>
+                <a:t>割り振る</a:t>
+              </a:r>
+              <a:endParaRPr kumimoji="1" lang="ja-JP" altLang="en-US" dirty="0"/>
+            </a:p>
+          </p:txBody>
+        </p:sp>
+      </p:grpSp>
     </p:spTree>
     <p:extLst>
       <p:ext uri="{BB962C8B-B14F-4D97-AF65-F5344CB8AC3E}">

--- a/1821086_matsuo_Chart.pptx
+++ b/1821086_matsuo_Chart.pptx
@@ -5,11 +5,12 @@
     <p:sldMasterId id="2147483660" r:id="rId1"/>
   </p:sldMasterIdLst>
   <p:notesMasterIdLst>
-    <p:notesMasterId r:id="rId4"/>
+    <p:notesMasterId r:id="rId5"/>
   </p:notesMasterIdLst>
   <p:sldIdLst>
     <p:sldId id="276" r:id="rId2"/>
     <p:sldId id="275" r:id="rId3"/>
+    <p:sldId id="277" r:id="rId4"/>
   </p:sldIdLst>
   <p:sldSz cx="9144000" cy="6858000" type="screen4x3"/>
   <p:notesSz cx="6858000" cy="9144000"/>
@@ -198,7 +199,7 @@
           <a:p>
             <a:fld id="{869FDBD3-40C4-4F2A-82A8-38E5DBC6C4C1}" type="datetimeFigureOut">
               <a:rPr kumimoji="1" lang="ja-JP" altLang="en-US" smtClean="0"/>
-              <a:t>2021/5/31</a:t>
+              <a:t>2021/6/16</a:t>
             </a:fld>
             <a:endParaRPr kumimoji="1" lang="ja-JP" altLang="en-US"/>
           </a:p>
@@ -629,7 +630,7 @@
           <a:p>
             <a:fld id="{494AB2A1-E364-47CF-B5DC-53E264C607F6}" type="datetime1">
               <a:rPr kumimoji="1" lang="ja-JP" altLang="en-US" smtClean="0"/>
-              <a:t>2021/5/31</a:t>
+              <a:t>2021/6/16</a:t>
             </a:fld>
             <a:endParaRPr kumimoji="1" lang="ja-JP" altLang="en-US"/>
           </a:p>
@@ -831,7 +832,7 @@
           <a:p>
             <a:fld id="{493740D4-C406-4492-90E6-6432EEF92C60}" type="datetime1">
               <a:rPr kumimoji="1" lang="ja-JP" altLang="en-US" smtClean="0"/>
-              <a:t>2021/5/31</a:t>
+              <a:t>2021/6/16</a:t>
             </a:fld>
             <a:endParaRPr kumimoji="1" lang="ja-JP" altLang="en-US"/>
           </a:p>
@@ -1043,7 +1044,7 @@
           <a:p>
             <a:fld id="{ED69396B-CE42-4776-89F8-D39FC42CFB56}" type="datetime1">
               <a:rPr kumimoji="1" lang="ja-JP" altLang="en-US" smtClean="0"/>
-              <a:t>2021/5/31</a:t>
+              <a:t>2021/6/16</a:t>
             </a:fld>
             <a:endParaRPr kumimoji="1" lang="ja-JP" altLang="en-US"/>
           </a:p>
@@ -1245,7 +1246,7 @@
           <a:p>
             <a:fld id="{13625393-1B19-477D-ADB7-2A6386D3F149}" type="datetime1">
               <a:rPr kumimoji="1" lang="ja-JP" altLang="en-US" smtClean="0"/>
-              <a:t>2021/5/31</a:t>
+              <a:t>2021/6/16</a:t>
             </a:fld>
             <a:endParaRPr kumimoji="1" lang="ja-JP" altLang="en-US"/>
           </a:p>
@@ -1489,7 +1490,7 @@
           <a:p>
             <a:fld id="{E5FDA1EB-CBE3-4FB0-BB17-A44CDA0B54B3}" type="datetime1">
               <a:rPr kumimoji="1" lang="ja-JP" altLang="en-US" smtClean="0"/>
-              <a:t>2021/5/31</a:t>
+              <a:t>2021/6/16</a:t>
             </a:fld>
             <a:endParaRPr kumimoji="1" lang="ja-JP" altLang="en-US"/>
           </a:p>
@@ -1785,7 +1786,7 @@
           <a:p>
             <a:fld id="{C01EC069-9DC2-4DDB-AE63-C26A081803C1}" type="datetime1">
               <a:rPr kumimoji="1" lang="ja-JP" altLang="en-US" smtClean="0"/>
-              <a:t>2021/5/31</a:t>
+              <a:t>2021/6/16</a:t>
             </a:fld>
             <a:endParaRPr kumimoji="1" lang="ja-JP" altLang="en-US"/>
           </a:p>
@@ -2216,7 +2217,7 @@
           <a:p>
             <a:fld id="{FA16DDA6-9750-4222-A53D-9B2AFD4F7604}" type="datetime1">
               <a:rPr kumimoji="1" lang="ja-JP" altLang="en-US" smtClean="0"/>
-              <a:t>2021/5/31</a:t>
+              <a:t>2021/6/16</a:t>
             </a:fld>
             <a:endParaRPr kumimoji="1" lang="ja-JP" altLang="en-US"/>
           </a:p>
@@ -2334,7 +2335,7 @@
           <a:p>
             <a:fld id="{2A12A5DA-6757-4BE0-8138-B996B069D01C}" type="datetime1">
               <a:rPr kumimoji="1" lang="ja-JP" altLang="en-US" smtClean="0"/>
-              <a:t>2021/5/31</a:t>
+              <a:t>2021/6/16</a:t>
             </a:fld>
             <a:endParaRPr kumimoji="1" lang="ja-JP" altLang="en-US"/>
           </a:p>
@@ -2429,7 +2430,7 @@
           <a:p>
             <a:fld id="{80431E91-75F7-48C3-A2EB-716DBC94911B}" type="datetime1">
               <a:rPr kumimoji="1" lang="ja-JP" altLang="en-US" smtClean="0"/>
-              <a:t>2021/5/31</a:t>
+              <a:t>2021/6/16</a:t>
             </a:fld>
             <a:endParaRPr kumimoji="1" lang="ja-JP" altLang="en-US"/>
           </a:p>
@@ -2738,7 +2739,7 @@
           <a:p>
             <a:fld id="{2FD4BF64-4643-4F2F-9E14-ABA1F12A43DE}" type="datetime1">
               <a:rPr kumimoji="1" lang="ja-JP" altLang="en-US" smtClean="0"/>
-              <a:t>2021/5/31</a:t>
+              <a:t>2021/6/16</a:t>
             </a:fld>
             <a:endParaRPr kumimoji="1" lang="ja-JP" altLang="en-US"/>
           </a:p>
@@ -2995,7 +2996,7 @@
           <a:p>
             <a:fld id="{4775FF6E-0AC3-4CFF-BD5F-615BAFBBFB63}" type="datetime1">
               <a:rPr kumimoji="1" lang="ja-JP" altLang="en-US" smtClean="0"/>
-              <a:t>2021/5/31</a:t>
+              <a:t>2021/6/16</a:t>
             </a:fld>
             <a:endParaRPr kumimoji="1" lang="ja-JP" altLang="en-US"/>
           </a:p>
@@ -3240,7 +3241,7 @@
           <a:p>
             <a:fld id="{63DC7EF6-3FB0-4B29-8D75-11EE9B911EFB}" type="datetime1">
               <a:rPr kumimoji="1" lang="ja-JP" altLang="en-US" smtClean="0"/>
-              <a:t>2021/5/31</a:t>
+              <a:t>2021/6/16</a:t>
             </a:fld>
             <a:endParaRPr kumimoji="1" lang="ja-JP" altLang="en-US"/>
           </a:p>
@@ -3648,12 +3649,12 @@
       </p:grpSpPr>
       <p:sp>
         <p:nvSpPr>
-          <p:cNvPr id="2" name="タイトル 1"/>
+          <p:cNvPr id="3" name="スライド番号プレースホルダー 2"/>
           <p:cNvSpPr>
             <a:spLocks noGrp="1"/>
           </p:cNvSpPr>
           <p:nvPr>
-            <p:ph type="title"/>
+            <p:ph type="sldNum" sz="quarter" idx="12"/>
           </p:nvPr>
         </p:nvSpPr>
         <p:spPr/>
@@ -3661,31 +3662,400 @@
           <a:bodyPr/>
           <a:lstStyle/>
           <a:p>
-            <a:r>
-              <a:rPr kumimoji="1" lang="ja-JP" altLang="en-US" dirty="0" smtClean="0"/>
-              <a:t>図表だけのパワポ</a:t>
-            </a:r>
-            <a:endParaRPr kumimoji="1" lang="ja-JP" altLang="en-US" dirty="0"/>
-          </a:p>
-        </p:txBody>
-      </p:sp>
-      <p:sp>
-        <p:nvSpPr>
-          <p:cNvPr id="3" name="スライド番号プレースホルダー 2"/>
-          <p:cNvSpPr>
-            <a:spLocks noGrp="1"/>
-          </p:cNvSpPr>
-          <p:nvPr>
-            <p:ph type="sldNum" sz="quarter" idx="12"/>
-          </p:nvPr>
-        </p:nvSpPr>
-        <p:spPr/>
-        <p:txBody>
-          <a:bodyPr/>
-          <a:lstStyle/>
-          <a:p>
             <a:fld id="{C1A4E16F-9CEB-47A6-B8DF-28924D05829B}" type="slidenum">
               <a:rPr kumimoji="1" lang="ja-JP" altLang="en-US" smtClean="0"/>
+              <a:t>1</a:t>
+            </a:fld>
+            <a:endParaRPr kumimoji="1" lang="ja-JP" altLang="en-US"/>
+          </a:p>
+        </p:txBody>
+      </p:sp>
+      <p:sp>
+        <p:nvSpPr>
+          <p:cNvPr id="5" name="タイトル 1"/>
+          <p:cNvSpPr txBox="1">
+            <a:spLocks/>
+          </p:cNvSpPr>
+          <p:nvPr/>
+        </p:nvSpPr>
+        <p:spPr>
+          <a:xfrm>
+            <a:off x="294010" y="517890"/>
+            <a:ext cx="8565419" cy="5534952"/>
+          </a:xfrm>
+          <a:prstGeom prst="rect">
+            <a:avLst/>
+          </a:prstGeom>
+        </p:spPr>
+        <p:txBody>
+          <a:bodyPr vert="horz" lIns="91440" tIns="45720" rIns="91440" bIns="45720" rtlCol="0" anchor="ctr">
+            <a:normAutofit fontScale="97500"/>
+          </a:bodyPr>
+          <a:lstStyle>
+            <a:lvl1pPr algn="l" defTabSz="914400" rtl="0" eaLnBrk="1" latinLnBrk="0" hangingPunct="1">
+              <a:lnSpc>
+                <a:spcPct val="90000"/>
+              </a:lnSpc>
+              <a:spcBef>
+                <a:spcPct val="0"/>
+              </a:spcBef>
+              <a:buNone/>
+              <a:defRPr kumimoji="1" sz="4400" kern="1200">
+                <a:solidFill>
+                  <a:schemeClr val="tx1"/>
+                </a:solidFill>
+                <a:latin typeface="+mj-lt"/>
+                <a:ea typeface="+mj-ea"/>
+                <a:cs typeface="+mj-cs"/>
+              </a:defRPr>
+            </a:lvl1pPr>
+          </a:lstStyle>
+          <a:p>
+            <a:pPr algn="ctr"/>
+            <a:r>
+              <a:rPr lang="ja-JP" altLang="en-US" sz="8000" dirty="0" smtClean="0"/>
+              <a:t>図表だけの</a:t>
+            </a:r>
+            <a:r>
+              <a:rPr lang="en-US" altLang="ja-JP" sz="8000" dirty="0" smtClean="0"/>
+              <a:t/>
+            </a:r>
+            <a:br>
+              <a:rPr lang="en-US" altLang="ja-JP" sz="8000" dirty="0" smtClean="0"/>
+            </a:br>
+            <a:r>
+              <a:rPr lang="en-US" altLang="ja-JP" sz="8000" dirty="0"/>
+              <a:t>PowerPoint</a:t>
+            </a:r>
+            <a:endParaRPr lang="en-US" altLang="ja-JP" sz="8000" dirty="0" smtClean="0"/>
+          </a:p>
+          <a:p>
+            <a:endParaRPr lang="ja-JP" altLang="en-US" sz="8000" dirty="0"/>
+          </a:p>
+        </p:txBody>
+      </p:sp>
+      <p:sp>
+        <p:nvSpPr>
+          <p:cNvPr id="6" name="サブタイトル 2"/>
+          <p:cNvSpPr txBox="1">
+            <a:spLocks/>
+          </p:cNvSpPr>
+          <p:nvPr/>
+        </p:nvSpPr>
+        <p:spPr>
+          <a:xfrm>
+            <a:off x="1167951" y="4535100"/>
+            <a:ext cx="6858000" cy="1241823"/>
+          </a:xfrm>
+          <a:prstGeom prst="rect">
+            <a:avLst/>
+          </a:prstGeom>
+        </p:spPr>
+        <p:txBody>
+          <a:bodyPr/>
+          <a:lstStyle>
+            <a:lvl1pPr marL="228600" indent="-228600" algn="l" defTabSz="914400" rtl="0" eaLnBrk="1" latinLnBrk="0" hangingPunct="1">
+              <a:lnSpc>
+                <a:spcPct val="90000"/>
+              </a:lnSpc>
+              <a:spcBef>
+                <a:spcPts val="1000"/>
+              </a:spcBef>
+              <a:buFont typeface="Arial" panose="020B0604020202020204" pitchFamily="34" charset="0"/>
+              <a:buChar char="•"/>
+              <a:defRPr kumimoji="1" sz="2800" kern="1200">
+                <a:solidFill>
+                  <a:schemeClr val="tx1"/>
+                </a:solidFill>
+                <a:latin typeface="+mn-lt"/>
+                <a:ea typeface="+mn-ea"/>
+                <a:cs typeface="+mn-cs"/>
+              </a:defRPr>
+            </a:lvl1pPr>
+            <a:lvl2pPr marL="685800" indent="-228600" algn="l" defTabSz="914400" rtl="0" eaLnBrk="1" latinLnBrk="0" hangingPunct="1">
+              <a:lnSpc>
+                <a:spcPct val="90000"/>
+              </a:lnSpc>
+              <a:spcBef>
+                <a:spcPts val="500"/>
+              </a:spcBef>
+              <a:buFont typeface="Arial" panose="020B0604020202020204" pitchFamily="34" charset="0"/>
+              <a:buChar char="•"/>
+              <a:defRPr kumimoji="1" sz="2400" kern="1200">
+                <a:solidFill>
+                  <a:schemeClr val="tx1"/>
+                </a:solidFill>
+                <a:latin typeface="+mn-lt"/>
+                <a:ea typeface="+mn-ea"/>
+                <a:cs typeface="+mn-cs"/>
+              </a:defRPr>
+            </a:lvl2pPr>
+            <a:lvl3pPr marL="1143000" indent="-228600" algn="l" defTabSz="914400" rtl="0" eaLnBrk="1" latinLnBrk="0" hangingPunct="1">
+              <a:lnSpc>
+                <a:spcPct val="90000"/>
+              </a:lnSpc>
+              <a:spcBef>
+                <a:spcPts val="500"/>
+              </a:spcBef>
+              <a:buFont typeface="Arial" panose="020B0604020202020204" pitchFamily="34" charset="0"/>
+              <a:buChar char="•"/>
+              <a:defRPr kumimoji="1" sz="2000" kern="1200">
+                <a:solidFill>
+                  <a:schemeClr val="tx1"/>
+                </a:solidFill>
+                <a:latin typeface="+mn-lt"/>
+                <a:ea typeface="+mn-ea"/>
+                <a:cs typeface="+mn-cs"/>
+              </a:defRPr>
+            </a:lvl3pPr>
+            <a:lvl4pPr marL="1600200" indent="-228600" algn="l" defTabSz="914400" rtl="0" eaLnBrk="1" latinLnBrk="0" hangingPunct="1">
+              <a:lnSpc>
+                <a:spcPct val="90000"/>
+              </a:lnSpc>
+              <a:spcBef>
+                <a:spcPts val="500"/>
+              </a:spcBef>
+              <a:buFont typeface="Arial" panose="020B0604020202020204" pitchFamily="34" charset="0"/>
+              <a:buChar char="•"/>
+              <a:defRPr kumimoji="1" sz="1800" kern="1200">
+                <a:solidFill>
+                  <a:schemeClr val="tx1"/>
+                </a:solidFill>
+                <a:latin typeface="+mn-lt"/>
+                <a:ea typeface="+mn-ea"/>
+                <a:cs typeface="+mn-cs"/>
+              </a:defRPr>
+            </a:lvl4pPr>
+            <a:lvl5pPr marL="2057400" indent="-228600" algn="l" defTabSz="914400" rtl="0" eaLnBrk="1" latinLnBrk="0" hangingPunct="1">
+              <a:lnSpc>
+                <a:spcPct val="90000"/>
+              </a:lnSpc>
+              <a:spcBef>
+                <a:spcPts val="500"/>
+              </a:spcBef>
+              <a:buFont typeface="Arial" panose="020B0604020202020204" pitchFamily="34" charset="0"/>
+              <a:buChar char="•"/>
+              <a:defRPr kumimoji="1" sz="1800" kern="1200">
+                <a:solidFill>
+                  <a:schemeClr val="tx1"/>
+                </a:solidFill>
+                <a:latin typeface="+mn-lt"/>
+                <a:ea typeface="+mn-ea"/>
+                <a:cs typeface="+mn-cs"/>
+              </a:defRPr>
+            </a:lvl5pPr>
+            <a:lvl6pPr marL="2514600" indent="-228600" algn="l" defTabSz="914400" rtl="0" eaLnBrk="1" latinLnBrk="0" hangingPunct="1">
+              <a:lnSpc>
+                <a:spcPct val="90000"/>
+              </a:lnSpc>
+              <a:spcBef>
+                <a:spcPts val="500"/>
+              </a:spcBef>
+              <a:buFont typeface="Arial" panose="020B0604020202020204" pitchFamily="34" charset="0"/>
+              <a:buChar char="•"/>
+              <a:defRPr kumimoji="1" sz="1800" kern="1200">
+                <a:solidFill>
+                  <a:schemeClr val="tx1"/>
+                </a:solidFill>
+                <a:latin typeface="+mn-lt"/>
+                <a:ea typeface="+mn-ea"/>
+                <a:cs typeface="+mn-cs"/>
+              </a:defRPr>
+            </a:lvl6pPr>
+            <a:lvl7pPr marL="2971800" indent="-228600" algn="l" defTabSz="914400" rtl="0" eaLnBrk="1" latinLnBrk="0" hangingPunct="1">
+              <a:lnSpc>
+                <a:spcPct val="90000"/>
+              </a:lnSpc>
+              <a:spcBef>
+                <a:spcPts val="500"/>
+              </a:spcBef>
+              <a:buFont typeface="Arial" panose="020B0604020202020204" pitchFamily="34" charset="0"/>
+              <a:buChar char="•"/>
+              <a:defRPr kumimoji="1" sz="1800" kern="1200">
+                <a:solidFill>
+                  <a:schemeClr val="tx1"/>
+                </a:solidFill>
+                <a:latin typeface="+mn-lt"/>
+                <a:ea typeface="+mn-ea"/>
+                <a:cs typeface="+mn-cs"/>
+              </a:defRPr>
+            </a:lvl7pPr>
+            <a:lvl8pPr marL="3429000" indent="-228600" algn="l" defTabSz="914400" rtl="0" eaLnBrk="1" latinLnBrk="0" hangingPunct="1">
+              <a:lnSpc>
+                <a:spcPct val="90000"/>
+              </a:lnSpc>
+              <a:spcBef>
+                <a:spcPts val="500"/>
+              </a:spcBef>
+              <a:buFont typeface="Arial" panose="020B0604020202020204" pitchFamily="34" charset="0"/>
+              <a:buChar char="•"/>
+              <a:defRPr kumimoji="1" sz="1800" kern="1200">
+                <a:solidFill>
+                  <a:schemeClr val="tx1"/>
+                </a:solidFill>
+                <a:latin typeface="+mn-lt"/>
+                <a:ea typeface="+mn-ea"/>
+                <a:cs typeface="+mn-cs"/>
+              </a:defRPr>
+            </a:lvl8pPr>
+            <a:lvl9pPr marL="3886200" indent="-228600" algn="l" defTabSz="914400" rtl="0" eaLnBrk="1" latinLnBrk="0" hangingPunct="1">
+              <a:lnSpc>
+                <a:spcPct val="90000"/>
+              </a:lnSpc>
+              <a:spcBef>
+                <a:spcPts val="500"/>
+              </a:spcBef>
+              <a:buFont typeface="Arial" panose="020B0604020202020204" pitchFamily="34" charset="0"/>
+              <a:buChar char="•"/>
+              <a:defRPr kumimoji="1" sz="1800" kern="1200">
+                <a:solidFill>
+                  <a:schemeClr val="tx1"/>
+                </a:solidFill>
+                <a:latin typeface="+mn-lt"/>
+                <a:ea typeface="+mn-ea"/>
+                <a:cs typeface="+mn-cs"/>
+              </a:defRPr>
+            </a:lvl9pPr>
+          </a:lstStyle>
+          <a:p>
+            <a:r>
+              <a:rPr lang="ja-JP" altLang="en-US" dirty="0" smtClean="0"/>
+              <a:t>学籍番号：</a:t>
+            </a:r>
+            <a:r>
+              <a:rPr lang="en-US" altLang="ja-JP" dirty="0" smtClean="0"/>
+              <a:t>1821086</a:t>
+            </a:r>
+          </a:p>
+          <a:p>
+            <a:r>
+              <a:rPr lang="ja-JP" altLang="en-US" dirty="0" smtClean="0"/>
+              <a:t>氏名：松尾祐介</a:t>
+            </a:r>
+            <a:endParaRPr lang="ja-JP" altLang="en-US" dirty="0"/>
+          </a:p>
+        </p:txBody>
+      </p:sp>
+      <p:sp>
+        <p:nvSpPr>
+          <p:cNvPr id="7" name="スライド番号プレースホルダー 3"/>
+          <p:cNvSpPr txBox="1">
+            <a:spLocks/>
+          </p:cNvSpPr>
+          <p:nvPr/>
+        </p:nvSpPr>
+        <p:spPr>
+          <a:xfrm>
+            <a:off x="6610350" y="6508751"/>
+            <a:ext cx="2057400" cy="365125"/>
+          </a:xfrm>
+          <a:prstGeom prst="rect">
+            <a:avLst/>
+          </a:prstGeom>
+        </p:spPr>
+        <p:txBody>
+          <a:bodyPr vert="horz" lIns="91440" tIns="45720" rIns="91440" bIns="45720" rtlCol="0" anchor="ctr"/>
+          <a:lstStyle>
+            <a:defPPr>
+              <a:defRPr lang="en-US"/>
+            </a:defPPr>
+            <a:lvl1pPr marL="0" algn="r" defTabSz="457200" rtl="0" eaLnBrk="1" latinLnBrk="0" hangingPunct="1">
+              <a:defRPr sz="1200" kern="1200">
+                <a:solidFill>
+                  <a:schemeClr val="tx1">
+                    <a:tint val="75000"/>
+                  </a:schemeClr>
+                </a:solidFill>
+                <a:latin typeface="+mn-lt"/>
+                <a:ea typeface="+mn-ea"/>
+                <a:cs typeface="+mn-cs"/>
+              </a:defRPr>
+            </a:lvl1pPr>
+            <a:lvl2pPr marL="457200" algn="l" defTabSz="457200" rtl="0" eaLnBrk="1" latinLnBrk="0" hangingPunct="1">
+              <a:defRPr sz="1800" kern="1200">
+                <a:solidFill>
+                  <a:schemeClr val="tx1"/>
+                </a:solidFill>
+                <a:latin typeface="+mn-lt"/>
+                <a:ea typeface="+mn-ea"/>
+                <a:cs typeface="+mn-cs"/>
+              </a:defRPr>
+            </a:lvl2pPr>
+            <a:lvl3pPr marL="914400" algn="l" defTabSz="457200" rtl="0" eaLnBrk="1" latinLnBrk="0" hangingPunct="1">
+              <a:defRPr sz="1800" kern="1200">
+                <a:solidFill>
+                  <a:schemeClr val="tx1"/>
+                </a:solidFill>
+                <a:latin typeface="+mn-lt"/>
+                <a:ea typeface="+mn-ea"/>
+                <a:cs typeface="+mn-cs"/>
+              </a:defRPr>
+            </a:lvl3pPr>
+            <a:lvl4pPr marL="1371600" algn="l" defTabSz="457200" rtl="0" eaLnBrk="1" latinLnBrk="0" hangingPunct="1">
+              <a:defRPr sz="1800" kern="1200">
+                <a:solidFill>
+                  <a:schemeClr val="tx1"/>
+                </a:solidFill>
+                <a:latin typeface="+mn-lt"/>
+                <a:ea typeface="+mn-ea"/>
+                <a:cs typeface="+mn-cs"/>
+              </a:defRPr>
+            </a:lvl4pPr>
+            <a:lvl5pPr marL="1828800" algn="l" defTabSz="457200" rtl="0" eaLnBrk="1" latinLnBrk="0" hangingPunct="1">
+              <a:defRPr sz="1800" kern="1200">
+                <a:solidFill>
+                  <a:schemeClr val="tx1"/>
+                </a:solidFill>
+                <a:latin typeface="+mn-lt"/>
+                <a:ea typeface="+mn-ea"/>
+                <a:cs typeface="+mn-cs"/>
+              </a:defRPr>
+            </a:lvl5pPr>
+            <a:lvl6pPr marL="2286000" algn="l" defTabSz="457200" rtl="0" eaLnBrk="1" latinLnBrk="0" hangingPunct="1">
+              <a:defRPr sz="1800" kern="1200">
+                <a:solidFill>
+                  <a:schemeClr val="tx1"/>
+                </a:solidFill>
+                <a:latin typeface="+mn-lt"/>
+                <a:ea typeface="+mn-ea"/>
+                <a:cs typeface="+mn-cs"/>
+              </a:defRPr>
+            </a:lvl6pPr>
+            <a:lvl7pPr marL="2743200" algn="l" defTabSz="457200" rtl="0" eaLnBrk="1" latinLnBrk="0" hangingPunct="1">
+              <a:defRPr sz="1800" kern="1200">
+                <a:solidFill>
+                  <a:schemeClr val="tx1"/>
+                </a:solidFill>
+                <a:latin typeface="+mn-lt"/>
+                <a:ea typeface="+mn-ea"/>
+                <a:cs typeface="+mn-cs"/>
+              </a:defRPr>
+            </a:lvl7pPr>
+            <a:lvl8pPr marL="3200400" algn="l" defTabSz="457200" rtl="0" eaLnBrk="1" latinLnBrk="0" hangingPunct="1">
+              <a:defRPr sz="1800" kern="1200">
+                <a:solidFill>
+                  <a:schemeClr val="tx1"/>
+                </a:solidFill>
+                <a:latin typeface="+mn-lt"/>
+                <a:ea typeface="+mn-ea"/>
+                <a:cs typeface="+mn-cs"/>
+              </a:defRPr>
+            </a:lvl8pPr>
+            <a:lvl9pPr marL="3657600" algn="l" defTabSz="457200" rtl="0" eaLnBrk="1" latinLnBrk="0" hangingPunct="1">
+              <a:defRPr sz="1800" kern="1200">
+                <a:solidFill>
+                  <a:schemeClr val="tx1"/>
+                </a:solidFill>
+                <a:latin typeface="+mn-lt"/>
+                <a:ea typeface="+mn-ea"/>
+                <a:cs typeface="+mn-cs"/>
+              </a:defRPr>
+            </a:lvl9pPr>
+          </a:lstStyle>
+          <a:p>
+            <a:fld id="{77022724-7A88-4190-89E1-23935288E045}" type="slidenum">
+              <a:rPr kumimoji="1" lang="ja-JP" altLang="en-US" smtClean="0"/>
+              <a:pPr/>
               <a:t>1</a:t>
             </a:fld>
             <a:endParaRPr kumimoji="1" lang="ja-JP" altLang="en-US"/>
@@ -4717,6 +5087,1334 @@
 </p:sld>
 </file>
 
+<file path=ppt/slides/slide3.xml><?xml version="1.0" encoding="utf-8"?>
+<p:sld xmlns:a="http://schemas.openxmlformats.org/drawingml/2006/main" xmlns:r="http://schemas.openxmlformats.org/officeDocument/2006/relationships" xmlns:p="http://schemas.openxmlformats.org/presentationml/2006/main">
+  <p:cSld>
+    <p:spTree>
+      <p:nvGrpSpPr>
+        <p:cNvPr id="1" name=""/>
+        <p:cNvGrpSpPr/>
+        <p:nvPr/>
+      </p:nvGrpSpPr>
+      <p:grpSpPr>
+        <a:xfrm>
+          <a:off x="0" y="0"/>
+          <a:ext cx="0" cy="0"/>
+          <a:chOff x="0" y="0"/>
+          <a:chExt cx="0" cy="0"/>
+        </a:xfrm>
+      </p:grpSpPr>
+      <p:sp>
+        <p:nvSpPr>
+          <p:cNvPr id="3" name="スライド番号プレースホルダー 2"/>
+          <p:cNvSpPr>
+            <a:spLocks noGrp="1"/>
+          </p:cNvSpPr>
+          <p:nvPr>
+            <p:ph type="sldNum" sz="quarter" idx="12"/>
+          </p:nvPr>
+        </p:nvSpPr>
+        <p:spPr/>
+        <p:txBody>
+          <a:bodyPr/>
+          <a:lstStyle/>
+          <a:p>
+            <a:fld id="{C1A4E16F-9CEB-47A6-B8DF-28924D05829B}" type="slidenum">
+              <a:rPr kumimoji="1" lang="ja-JP" altLang="en-US" smtClean="0"/>
+              <a:t>3</a:t>
+            </a:fld>
+            <a:endParaRPr kumimoji="1" lang="ja-JP" altLang="en-US"/>
+          </a:p>
+        </p:txBody>
+      </p:sp>
+      <p:sp>
+        <p:nvSpPr>
+          <p:cNvPr id="4" name="正方形/長方形 3"/>
+          <p:cNvSpPr/>
+          <p:nvPr/>
+        </p:nvSpPr>
+        <p:spPr>
+          <a:xfrm>
+            <a:off x="1294726" y="1237535"/>
+            <a:ext cx="2233402" cy="4265771"/>
+          </a:xfrm>
+          <a:prstGeom prst="rect">
+            <a:avLst/>
+          </a:prstGeom>
+        </p:spPr>
+        <p:style>
+          <a:lnRef idx="2">
+            <a:schemeClr val="accent1">
+              <a:shade val="50000"/>
+            </a:schemeClr>
+          </a:lnRef>
+          <a:fillRef idx="1">
+            <a:schemeClr val="accent1"/>
+          </a:fillRef>
+          <a:effectRef idx="0">
+            <a:schemeClr val="accent1"/>
+          </a:effectRef>
+          <a:fontRef idx="minor">
+            <a:schemeClr val="lt1"/>
+          </a:fontRef>
+        </p:style>
+        <p:txBody>
+          <a:bodyPr rtlCol="0" anchor="ctr"/>
+          <a:lstStyle/>
+          <a:p>
+            <a:pPr algn="ctr"/>
+            <a:r>
+              <a:rPr kumimoji="1" lang="en-US" altLang="ja-JP" dirty="0" smtClean="0"/>
+              <a:t>PC</a:t>
+            </a:r>
+            <a:br>
+              <a:rPr kumimoji="1" lang="en-US" altLang="ja-JP" dirty="0" smtClean="0"/>
+            </a:br>
+            <a:r>
+              <a:rPr kumimoji="1" lang="en-US" altLang="ja-JP" dirty="0" smtClean="0"/>
+              <a:t/>
+            </a:r>
+            <a:br>
+              <a:rPr kumimoji="1" lang="en-US" altLang="ja-JP" dirty="0" smtClean="0"/>
+            </a:br>
+            <a:r>
+              <a:rPr kumimoji="1" lang="en-US" altLang="ja-JP" dirty="0" smtClean="0"/>
+              <a:t/>
+            </a:r>
+            <a:br>
+              <a:rPr kumimoji="1" lang="en-US" altLang="ja-JP" dirty="0" smtClean="0"/>
+            </a:br>
+            <a:r>
+              <a:rPr kumimoji="1" lang="en-US" altLang="ja-JP" dirty="0" smtClean="0"/>
+              <a:t/>
+            </a:r>
+            <a:br>
+              <a:rPr kumimoji="1" lang="en-US" altLang="ja-JP" dirty="0" smtClean="0"/>
+            </a:br>
+            <a:r>
+              <a:rPr kumimoji="1" lang="en-US" altLang="ja-JP" dirty="0" smtClean="0"/>
+              <a:t/>
+            </a:r>
+            <a:br>
+              <a:rPr kumimoji="1" lang="en-US" altLang="ja-JP" dirty="0" smtClean="0"/>
+            </a:br>
+            <a:r>
+              <a:rPr kumimoji="1" lang="en-US" altLang="ja-JP" dirty="0" smtClean="0"/>
+              <a:t/>
+            </a:r>
+            <a:br>
+              <a:rPr kumimoji="1" lang="en-US" altLang="ja-JP" dirty="0" smtClean="0"/>
+            </a:br>
+            <a:r>
+              <a:rPr kumimoji="1" lang="en-US" altLang="ja-JP" dirty="0" smtClean="0"/>
+              <a:t/>
+            </a:r>
+            <a:br>
+              <a:rPr kumimoji="1" lang="en-US" altLang="ja-JP" dirty="0" smtClean="0"/>
+            </a:br>
+            <a:r>
+              <a:rPr kumimoji="1" lang="en-US" altLang="ja-JP" dirty="0" smtClean="0"/>
+              <a:t/>
+            </a:r>
+            <a:br>
+              <a:rPr kumimoji="1" lang="en-US" altLang="ja-JP" dirty="0" smtClean="0"/>
+            </a:br>
+            <a:r>
+              <a:rPr kumimoji="1" lang="en-US" altLang="ja-JP" dirty="0" smtClean="0"/>
+              <a:t/>
+            </a:r>
+            <a:br>
+              <a:rPr kumimoji="1" lang="en-US" altLang="ja-JP" dirty="0" smtClean="0"/>
+            </a:br>
+            <a:r>
+              <a:rPr kumimoji="1" lang="en-US" altLang="ja-JP" dirty="0" smtClean="0"/>
+              <a:t/>
+            </a:r>
+            <a:br>
+              <a:rPr kumimoji="1" lang="en-US" altLang="ja-JP" dirty="0" smtClean="0"/>
+            </a:br>
+            <a:r>
+              <a:rPr kumimoji="1" lang="en-US" altLang="ja-JP" dirty="0" smtClean="0"/>
+              <a:t/>
+            </a:r>
+            <a:br>
+              <a:rPr kumimoji="1" lang="en-US" altLang="ja-JP" dirty="0" smtClean="0"/>
+            </a:br>
+            <a:r>
+              <a:rPr kumimoji="1" lang="en-US" altLang="ja-JP" dirty="0" smtClean="0"/>
+              <a:t/>
+            </a:r>
+            <a:br>
+              <a:rPr kumimoji="1" lang="en-US" altLang="ja-JP" dirty="0" smtClean="0"/>
+            </a:br>
+            <a:r>
+              <a:rPr kumimoji="1" lang="en-US" altLang="ja-JP" dirty="0" smtClean="0"/>
+              <a:t/>
+            </a:r>
+            <a:br>
+              <a:rPr kumimoji="1" lang="en-US" altLang="ja-JP" dirty="0" smtClean="0"/>
+            </a:br>
+            <a:r>
+              <a:rPr kumimoji="1" lang="en-US" altLang="ja-JP" dirty="0" smtClean="0"/>
+              <a:t/>
+            </a:r>
+            <a:br>
+              <a:rPr kumimoji="1" lang="en-US" altLang="ja-JP" dirty="0" smtClean="0"/>
+            </a:br>
+            <a:endParaRPr kumimoji="1" lang="ja-JP" altLang="en-US" dirty="0"/>
+          </a:p>
+        </p:txBody>
+      </p:sp>
+      <p:sp>
+        <p:nvSpPr>
+          <p:cNvPr id="5" name="正方形/長方形 4"/>
+          <p:cNvSpPr/>
+          <p:nvPr/>
+        </p:nvSpPr>
+        <p:spPr>
+          <a:xfrm>
+            <a:off x="1614361" y="1712639"/>
+            <a:ext cx="1594131" cy="786896"/>
+          </a:xfrm>
+          <a:prstGeom prst="rect">
+            <a:avLst/>
+          </a:prstGeom>
+          <a:solidFill>
+            <a:schemeClr val="accent2">
+              <a:lumMod val="40000"/>
+              <a:lumOff val="60000"/>
+            </a:schemeClr>
+          </a:solidFill>
+        </p:spPr>
+        <p:style>
+          <a:lnRef idx="2">
+            <a:schemeClr val="accent1">
+              <a:shade val="50000"/>
+            </a:schemeClr>
+          </a:lnRef>
+          <a:fillRef idx="1">
+            <a:schemeClr val="accent1"/>
+          </a:fillRef>
+          <a:effectRef idx="0">
+            <a:schemeClr val="accent1"/>
+          </a:effectRef>
+          <a:fontRef idx="minor">
+            <a:schemeClr val="lt1"/>
+          </a:fontRef>
+        </p:style>
+        <p:txBody>
+          <a:bodyPr rtlCol="0" anchor="ctr"/>
+          <a:lstStyle/>
+          <a:p>
+            <a:pPr algn="ctr"/>
+            <a:r>
+              <a:rPr kumimoji="1" lang="ja-JP" altLang="en-US" dirty="0" smtClean="0">
+                <a:solidFill>
+                  <a:schemeClr val="tx1"/>
+                </a:solidFill>
+              </a:rPr>
+              <a:t>応答速度計測</a:t>
+            </a:r>
+            <a:r>
+              <a:rPr kumimoji="1" lang="en-US" altLang="ja-JP" dirty="0" smtClean="0">
+                <a:solidFill>
+                  <a:schemeClr val="tx1"/>
+                </a:solidFill>
+              </a:rPr>
+              <a:t/>
+            </a:r>
+            <a:br>
+              <a:rPr kumimoji="1" lang="en-US" altLang="ja-JP" dirty="0" smtClean="0">
+                <a:solidFill>
+                  <a:schemeClr val="tx1"/>
+                </a:solidFill>
+              </a:rPr>
+            </a:br>
+            <a:r>
+              <a:rPr kumimoji="1" lang="ja-JP" altLang="en-US" dirty="0" smtClean="0">
+                <a:solidFill>
+                  <a:schemeClr val="tx1"/>
+                </a:solidFill>
+              </a:rPr>
+              <a:t>プログラム</a:t>
+            </a:r>
+            <a:endParaRPr kumimoji="1" lang="ja-JP" altLang="en-US" dirty="0">
+              <a:solidFill>
+                <a:schemeClr val="tx1"/>
+              </a:solidFill>
+            </a:endParaRPr>
+          </a:p>
+        </p:txBody>
+      </p:sp>
+      <p:sp>
+        <p:nvSpPr>
+          <p:cNvPr id="6" name="正方形/長方形 5"/>
+          <p:cNvSpPr/>
+          <p:nvPr/>
+        </p:nvSpPr>
+        <p:spPr>
+          <a:xfrm>
+            <a:off x="1614361" y="2870598"/>
+            <a:ext cx="1594131" cy="786896"/>
+          </a:xfrm>
+          <a:prstGeom prst="rect">
+            <a:avLst/>
+          </a:prstGeom>
+          <a:solidFill>
+            <a:schemeClr val="accent2">
+              <a:lumMod val="40000"/>
+              <a:lumOff val="60000"/>
+            </a:schemeClr>
+          </a:solidFill>
+        </p:spPr>
+        <p:style>
+          <a:lnRef idx="2">
+            <a:schemeClr val="accent1">
+              <a:shade val="50000"/>
+            </a:schemeClr>
+          </a:lnRef>
+          <a:fillRef idx="1">
+            <a:schemeClr val="accent1"/>
+          </a:fillRef>
+          <a:effectRef idx="0">
+            <a:schemeClr val="accent1"/>
+          </a:effectRef>
+          <a:fontRef idx="minor">
+            <a:schemeClr val="lt1"/>
+          </a:fontRef>
+        </p:style>
+        <p:txBody>
+          <a:bodyPr rtlCol="0" anchor="ctr"/>
+          <a:lstStyle/>
+          <a:p>
+            <a:pPr algn="ctr"/>
+            <a:r>
+              <a:rPr kumimoji="1" lang="ja-JP" altLang="en-US" dirty="0" smtClean="0">
+                <a:solidFill>
+                  <a:schemeClr val="tx1"/>
+                </a:solidFill>
+              </a:rPr>
+              <a:t>レスポンス</a:t>
+            </a:r>
+            <a:r>
+              <a:rPr kumimoji="1" lang="en-US" altLang="ja-JP" dirty="0" smtClean="0">
+                <a:solidFill>
+                  <a:schemeClr val="tx1"/>
+                </a:solidFill>
+              </a:rPr>
+              <a:t/>
+            </a:r>
+            <a:br>
+              <a:rPr kumimoji="1" lang="en-US" altLang="ja-JP" dirty="0" smtClean="0">
+                <a:solidFill>
+                  <a:schemeClr val="tx1"/>
+                </a:solidFill>
+              </a:rPr>
+            </a:br>
+            <a:r>
+              <a:rPr kumimoji="1" lang="ja-JP" altLang="en-US" dirty="0" smtClean="0">
+                <a:solidFill>
+                  <a:schemeClr val="tx1"/>
+                </a:solidFill>
+              </a:rPr>
+              <a:t>ログ</a:t>
+            </a:r>
+            <a:endParaRPr kumimoji="1" lang="ja-JP" altLang="en-US" dirty="0">
+              <a:solidFill>
+                <a:schemeClr val="tx1"/>
+              </a:solidFill>
+            </a:endParaRPr>
+          </a:p>
+        </p:txBody>
+      </p:sp>
+      <p:sp>
+        <p:nvSpPr>
+          <p:cNvPr id="7" name="正方形/長方形 6"/>
+          <p:cNvSpPr/>
+          <p:nvPr/>
+        </p:nvSpPr>
+        <p:spPr>
+          <a:xfrm>
+            <a:off x="1614361" y="3950144"/>
+            <a:ext cx="1594131" cy="786896"/>
+          </a:xfrm>
+          <a:prstGeom prst="rect">
+            <a:avLst/>
+          </a:prstGeom>
+          <a:solidFill>
+            <a:schemeClr val="accent2">
+              <a:lumMod val="40000"/>
+              <a:lumOff val="60000"/>
+            </a:schemeClr>
+          </a:solidFill>
+        </p:spPr>
+        <p:style>
+          <a:lnRef idx="2">
+            <a:schemeClr val="accent1">
+              <a:shade val="50000"/>
+            </a:schemeClr>
+          </a:lnRef>
+          <a:fillRef idx="1">
+            <a:schemeClr val="accent1"/>
+          </a:fillRef>
+          <a:effectRef idx="0">
+            <a:schemeClr val="accent1"/>
+          </a:effectRef>
+          <a:fontRef idx="minor">
+            <a:schemeClr val="lt1"/>
+          </a:fontRef>
+        </p:style>
+        <p:txBody>
+          <a:bodyPr rtlCol="0" anchor="ctr"/>
+          <a:lstStyle/>
+          <a:p>
+            <a:pPr algn="ctr"/>
+            <a:r>
+              <a:rPr kumimoji="1" lang="ja-JP" altLang="en-US" dirty="0" smtClean="0">
+                <a:solidFill>
+                  <a:schemeClr val="tx1"/>
+                </a:solidFill>
+              </a:rPr>
+              <a:t>平均を出す</a:t>
+            </a:r>
+            <a:r>
+              <a:rPr kumimoji="1" lang="en-US" altLang="ja-JP" dirty="0" smtClean="0">
+                <a:solidFill>
+                  <a:schemeClr val="tx1"/>
+                </a:solidFill>
+              </a:rPr>
+              <a:t/>
+            </a:r>
+            <a:br>
+              <a:rPr kumimoji="1" lang="en-US" altLang="ja-JP" dirty="0" smtClean="0">
+                <a:solidFill>
+                  <a:schemeClr val="tx1"/>
+                </a:solidFill>
+              </a:rPr>
+            </a:br>
+            <a:r>
+              <a:rPr kumimoji="1" lang="ja-JP" altLang="en-US" dirty="0" smtClean="0">
+                <a:solidFill>
+                  <a:schemeClr val="tx1"/>
+                </a:solidFill>
+              </a:rPr>
+              <a:t>プログラム</a:t>
+            </a:r>
+            <a:endParaRPr kumimoji="1" lang="ja-JP" altLang="en-US" dirty="0">
+              <a:solidFill>
+                <a:schemeClr val="tx1"/>
+              </a:solidFill>
+            </a:endParaRPr>
+          </a:p>
+        </p:txBody>
+      </p:sp>
+      <p:grpSp>
+        <p:nvGrpSpPr>
+          <p:cNvPr id="8" name="グループ化 7"/>
+          <p:cNvGrpSpPr/>
+          <p:nvPr/>
+        </p:nvGrpSpPr>
+        <p:grpSpPr>
+          <a:xfrm>
+            <a:off x="4449860" y="130273"/>
+            <a:ext cx="2744465" cy="2015462"/>
+            <a:chOff x="4031814" y="1690690"/>
+            <a:chExt cx="2744465" cy="2015462"/>
+          </a:xfrm>
+        </p:grpSpPr>
+        <p:sp>
+          <p:nvSpPr>
+            <p:cNvPr id="9" name="正方形/長方形 8"/>
+            <p:cNvSpPr/>
+            <p:nvPr/>
+          </p:nvSpPr>
+          <p:spPr>
+            <a:xfrm>
+              <a:off x="4031814" y="1690690"/>
+              <a:ext cx="2744465" cy="2015462"/>
+            </a:xfrm>
+            <a:prstGeom prst="rect">
+              <a:avLst/>
+            </a:prstGeom>
+          </p:spPr>
+          <p:style>
+            <a:lnRef idx="2">
+              <a:schemeClr val="accent1">
+                <a:shade val="50000"/>
+              </a:schemeClr>
+            </a:lnRef>
+            <a:fillRef idx="1">
+              <a:schemeClr val="accent1"/>
+            </a:fillRef>
+            <a:effectRef idx="0">
+              <a:schemeClr val="accent1"/>
+            </a:effectRef>
+            <a:fontRef idx="minor">
+              <a:schemeClr val="lt1"/>
+            </a:fontRef>
+          </p:style>
+          <p:txBody>
+            <a:bodyPr rtlCol="0" anchor="ctr"/>
+            <a:lstStyle/>
+            <a:p>
+              <a:pPr algn="ctr"/>
+              <a:r>
+                <a:rPr kumimoji="1" lang="en-US" altLang="ja-JP" dirty="0" smtClean="0"/>
+                <a:t>192.168.1.81</a:t>
+              </a:r>
+              <a:r>
+                <a:rPr kumimoji="1" lang="ja-JP" altLang="en-US" dirty="0" smtClean="0"/>
+                <a:t>ラズパイ</a:t>
+              </a:r>
+              <a:endParaRPr kumimoji="1" lang="en-US" altLang="ja-JP" dirty="0"/>
+            </a:p>
+            <a:p>
+              <a:pPr algn="ctr"/>
+              <a:endParaRPr kumimoji="1" lang="en-US" altLang="ja-JP" dirty="0" smtClean="0"/>
+            </a:p>
+            <a:p>
+              <a:pPr algn="ctr"/>
+              <a:endParaRPr kumimoji="1" lang="en-US" altLang="ja-JP" dirty="0"/>
+            </a:p>
+            <a:p>
+              <a:pPr algn="ctr"/>
+              <a:endParaRPr kumimoji="1" lang="en-US" altLang="ja-JP" dirty="0" smtClean="0"/>
+            </a:p>
+            <a:p>
+              <a:pPr algn="ctr"/>
+              <a:endParaRPr kumimoji="1" lang="en-US" altLang="ja-JP" dirty="0"/>
+            </a:p>
+            <a:p>
+              <a:pPr algn="ctr"/>
+              <a:endParaRPr kumimoji="1" lang="en-US" altLang="ja-JP" dirty="0" smtClean="0"/>
+            </a:p>
+            <a:p>
+              <a:pPr algn="ctr"/>
+              <a:endParaRPr kumimoji="1" lang="ja-JP" altLang="en-US" dirty="0"/>
+            </a:p>
+          </p:txBody>
+        </p:sp>
+        <p:sp>
+          <p:nvSpPr>
+            <p:cNvPr id="10" name="正方形/長方形 9"/>
+            <p:cNvSpPr/>
+            <p:nvPr/>
+          </p:nvSpPr>
+          <p:spPr>
+            <a:xfrm>
+              <a:off x="4572000" y="2112795"/>
+              <a:ext cx="1570276" cy="622799"/>
+            </a:xfrm>
+            <a:prstGeom prst="rect">
+              <a:avLst/>
+            </a:prstGeom>
+            <a:solidFill>
+              <a:schemeClr val="accent2">
+                <a:lumMod val="40000"/>
+                <a:lumOff val="60000"/>
+              </a:schemeClr>
+            </a:solidFill>
+          </p:spPr>
+          <p:style>
+            <a:lnRef idx="2">
+              <a:schemeClr val="accent1">
+                <a:shade val="50000"/>
+              </a:schemeClr>
+            </a:lnRef>
+            <a:fillRef idx="1">
+              <a:schemeClr val="accent1"/>
+            </a:fillRef>
+            <a:effectRef idx="0">
+              <a:schemeClr val="accent1"/>
+            </a:effectRef>
+            <a:fontRef idx="minor">
+              <a:schemeClr val="lt1"/>
+            </a:fontRef>
+          </p:style>
+          <p:txBody>
+            <a:bodyPr rtlCol="0" anchor="ctr"/>
+            <a:lstStyle/>
+            <a:p>
+              <a:pPr algn="ctr"/>
+              <a:r>
+                <a:rPr kumimoji="1" lang="ja-JP" altLang="en-US" dirty="0" smtClean="0">
+                  <a:solidFill>
+                    <a:schemeClr val="tx1"/>
+                  </a:solidFill>
+                </a:rPr>
+                <a:t>検索システム</a:t>
+              </a:r>
+              <a:endParaRPr kumimoji="1" lang="ja-JP" altLang="en-US" dirty="0">
+                <a:solidFill>
+                  <a:schemeClr val="tx1"/>
+                </a:solidFill>
+              </a:endParaRPr>
+            </a:p>
+          </p:txBody>
+        </p:sp>
+        <p:sp>
+          <p:nvSpPr>
+            <p:cNvPr id="11" name="フローチャート: 磁気ディスク 10"/>
+            <p:cNvSpPr/>
+            <p:nvPr/>
+          </p:nvSpPr>
+          <p:spPr>
+            <a:xfrm>
+              <a:off x="4769938" y="2766380"/>
+              <a:ext cx="1174399" cy="782637"/>
+            </a:xfrm>
+            <a:prstGeom prst="flowChartMagneticDisk">
+              <a:avLst/>
+            </a:prstGeom>
+            <a:solidFill>
+              <a:schemeClr val="accent6">
+                <a:lumMod val="60000"/>
+                <a:lumOff val="40000"/>
+              </a:schemeClr>
+            </a:solidFill>
+          </p:spPr>
+          <p:style>
+            <a:lnRef idx="2">
+              <a:schemeClr val="accent1">
+                <a:shade val="50000"/>
+              </a:schemeClr>
+            </a:lnRef>
+            <a:fillRef idx="1">
+              <a:schemeClr val="accent1"/>
+            </a:fillRef>
+            <a:effectRef idx="0">
+              <a:schemeClr val="accent1"/>
+            </a:effectRef>
+            <a:fontRef idx="minor">
+              <a:schemeClr val="lt1"/>
+            </a:fontRef>
+          </p:style>
+          <p:txBody>
+            <a:bodyPr rtlCol="0" anchor="ctr"/>
+            <a:lstStyle/>
+            <a:p>
+              <a:pPr algn="ctr"/>
+              <a:r>
+                <a:rPr kumimoji="1" lang="ja-JP" altLang="en-US" dirty="0" smtClean="0"/>
+                <a:t>観光地</a:t>
+              </a:r>
+              <a:r>
+                <a:rPr kumimoji="1" lang="en-US" altLang="ja-JP" dirty="0" smtClean="0"/>
+                <a:t>DB</a:t>
+              </a:r>
+              <a:endParaRPr kumimoji="1" lang="ja-JP" altLang="en-US" dirty="0"/>
+            </a:p>
+          </p:txBody>
+        </p:sp>
+      </p:grpSp>
+      <p:grpSp>
+        <p:nvGrpSpPr>
+          <p:cNvPr id="12" name="グループ化 11"/>
+          <p:cNvGrpSpPr/>
+          <p:nvPr/>
+        </p:nvGrpSpPr>
+        <p:grpSpPr>
+          <a:xfrm>
+            <a:off x="4449860" y="2376799"/>
+            <a:ext cx="2744465" cy="2015462"/>
+            <a:chOff x="4031814" y="1690690"/>
+            <a:chExt cx="2744465" cy="2015462"/>
+          </a:xfrm>
+        </p:grpSpPr>
+        <p:sp>
+          <p:nvSpPr>
+            <p:cNvPr id="13" name="正方形/長方形 12"/>
+            <p:cNvSpPr/>
+            <p:nvPr/>
+          </p:nvSpPr>
+          <p:spPr>
+            <a:xfrm>
+              <a:off x="4031814" y="1690690"/>
+              <a:ext cx="2744465" cy="2015462"/>
+            </a:xfrm>
+            <a:prstGeom prst="rect">
+              <a:avLst/>
+            </a:prstGeom>
+          </p:spPr>
+          <p:style>
+            <a:lnRef idx="2">
+              <a:schemeClr val="accent1">
+                <a:shade val="50000"/>
+              </a:schemeClr>
+            </a:lnRef>
+            <a:fillRef idx="1">
+              <a:schemeClr val="accent1"/>
+            </a:fillRef>
+            <a:effectRef idx="0">
+              <a:schemeClr val="accent1"/>
+            </a:effectRef>
+            <a:fontRef idx="minor">
+              <a:schemeClr val="lt1"/>
+            </a:fontRef>
+          </p:style>
+          <p:txBody>
+            <a:bodyPr rtlCol="0" anchor="ctr"/>
+            <a:lstStyle/>
+            <a:p>
+              <a:pPr algn="ctr"/>
+              <a:r>
+                <a:rPr kumimoji="1" lang="en-US" altLang="ja-JP" dirty="0" smtClean="0"/>
+                <a:t>192.168.1.82</a:t>
+              </a:r>
+              <a:r>
+                <a:rPr kumimoji="1" lang="ja-JP" altLang="en-US" dirty="0" smtClean="0"/>
+                <a:t>ラズパイ</a:t>
+              </a:r>
+              <a:endParaRPr kumimoji="1" lang="en-US" altLang="ja-JP" dirty="0"/>
+            </a:p>
+            <a:p>
+              <a:pPr algn="ctr"/>
+              <a:endParaRPr kumimoji="1" lang="en-US" altLang="ja-JP" dirty="0" smtClean="0"/>
+            </a:p>
+            <a:p>
+              <a:pPr algn="ctr"/>
+              <a:endParaRPr kumimoji="1" lang="en-US" altLang="ja-JP" dirty="0"/>
+            </a:p>
+            <a:p>
+              <a:pPr algn="ctr"/>
+              <a:endParaRPr kumimoji="1" lang="en-US" altLang="ja-JP" dirty="0" smtClean="0"/>
+            </a:p>
+            <a:p>
+              <a:pPr algn="ctr"/>
+              <a:endParaRPr kumimoji="1" lang="en-US" altLang="ja-JP" dirty="0"/>
+            </a:p>
+            <a:p>
+              <a:pPr algn="ctr"/>
+              <a:endParaRPr kumimoji="1" lang="en-US" altLang="ja-JP" dirty="0" smtClean="0"/>
+            </a:p>
+            <a:p>
+              <a:pPr algn="ctr"/>
+              <a:endParaRPr kumimoji="1" lang="ja-JP" altLang="en-US" dirty="0"/>
+            </a:p>
+          </p:txBody>
+        </p:sp>
+        <p:sp>
+          <p:nvSpPr>
+            <p:cNvPr id="14" name="正方形/長方形 13"/>
+            <p:cNvSpPr/>
+            <p:nvPr/>
+          </p:nvSpPr>
+          <p:spPr>
+            <a:xfrm>
+              <a:off x="4572000" y="2112795"/>
+              <a:ext cx="1570276" cy="622799"/>
+            </a:xfrm>
+            <a:prstGeom prst="rect">
+              <a:avLst/>
+            </a:prstGeom>
+            <a:solidFill>
+              <a:schemeClr val="accent2">
+                <a:lumMod val="40000"/>
+                <a:lumOff val="60000"/>
+              </a:schemeClr>
+            </a:solidFill>
+          </p:spPr>
+          <p:style>
+            <a:lnRef idx="2">
+              <a:schemeClr val="accent1">
+                <a:shade val="50000"/>
+              </a:schemeClr>
+            </a:lnRef>
+            <a:fillRef idx="1">
+              <a:schemeClr val="accent1"/>
+            </a:fillRef>
+            <a:effectRef idx="0">
+              <a:schemeClr val="accent1"/>
+            </a:effectRef>
+            <a:fontRef idx="minor">
+              <a:schemeClr val="lt1"/>
+            </a:fontRef>
+          </p:style>
+          <p:txBody>
+            <a:bodyPr rtlCol="0" anchor="ctr"/>
+            <a:lstStyle/>
+            <a:p>
+              <a:pPr algn="ctr"/>
+              <a:r>
+                <a:rPr kumimoji="1" lang="ja-JP" altLang="en-US" dirty="0" smtClean="0">
+                  <a:solidFill>
+                    <a:schemeClr val="tx1"/>
+                  </a:solidFill>
+                </a:rPr>
+                <a:t>検索システム</a:t>
+              </a:r>
+              <a:endParaRPr kumimoji="1" lang="ja-JP" altLang="en-US" dirty="0">
+                <a:solidFill>
+                  <a:schemeClr val="tx1"/>
+                </a:solidFill>
+              </a:endParaRPr>
+            </a:p>
+          </p:txBody>
+        </p:sp>
+        <p:sp>
+          <p:nvSpPr>
+            <p:cNvPr id="15" name="フローチャート: 磁気ディスク 14"/>
+            <p:cNvSpPr/>
+            <p:nvPr/>
+          </p:nvSpPr>
+          <p:spPr>
+            <a:xfrm>
+              <a:off x="4769938" y="2766380"/>
+              <a:ext cx="1174399" cy="782637"/>
+            </a:xfrm>
+            <a:prstGeom prst="flowChartMagneticDisk">
+              <a:avLst/>
+            </a:prstGeom>
+            <a:solidFill>
+              <a:schemeClr val="accent6">
+                <a:lumMod val="60000"/>
+                <a:lumOff val="40000"/>
+              </a:schemeClr>
+            </a:solidFill>
+          </p:spPr>
+          <p:style>
+            <a:lnRef idx="2">
+              <a:schemeClr val="accent1">
+                <a:shade val="50000"/>
+              </a:schemeClr>
+            </a:lnRef>
+            <a:fillRef idx="1">
+              <a:schemeClr val="accent1"/>
+            </a:fillRef>
+            <a:effectRef idx="0">
+              <a:schemeClr val="accent1"/>
+            </a:effectRef>
+            <a:fontRef idx="minor">
+              <a:schemeClr val="lt1"/>
+            </a:fontRef>
+          </p:style>
+          <p:txBody>
+            <a:bodyPr rtlCol="0" anchor="ctr"/>
+            <a:lstStyle/>
+            <a:p>
+              <a:pPr algn="ctr"/>
+              <a:r>
+                <a:rPr kumimoji="1" lang="ja-JP" altLang="en-US" dirty="0" smtClean="0"/>
+                <a:t>観光地</a:t>
+              </a:r>
+              <a:r>
+                <a:rPr kumimoji="1" lang="en-US" altLang="ja-JP" dirty="0" smtClean="0"/>
+                <a:t>DB</a:t>
+              </a:r>
+              <a:endParaRPr kumimoji="1" lang="ja-JP" altLang="en-US" dirty="0"/>
+            </a:p>
+          </p:txBody>
+        </p:sp>
+      </p:grpSp>
+      <p:grpSp>
+        <p:nvGrpSpPr>
+          <p:cNvPr id="16" name="グループ化 15"/>
+          <p:cNvGrpSpPr/>
+          <p:nvPr/>
+        </p:nvGrpSpPr>
+        <p:grpSpPr>
+          <a:xfrm>
+            <a:off x="4449859" y="4623325"/>
+            <a:ext cx="2744465" cy="2015462"/>
+            <a:chOff x="4031814" y="1690690"/>
+            <a:chExt cx="2744465" cy="2015462"/>
+          </a:xfrm>
+        </p:grpSpPr>
+        <p:sp>
+          <p:nvSpPr>
+            <p:cNvPr id="17" name="正方形/長方形 16"/>
+            <p:cNvSpPr/>
+            <p:nvPr/>
+          </p:nvSpPr>
+          <p:spPr>
+            <a:xfrm>
+              <a:off x="4031814" y="1690690"/>
+              <a:ext cx="2744465" cy="2015462"/>
+            </a:xfrm>
+            <a:prstGeom prst="rect">
+              <a:avLst/>
+            </a:prstGeom>
+          </p:spPr>
+          <p:style>
+            <a:lnRef idx="2">
+              <a:schemeClr val="accent1">
+                <a:shade val="50000"/>
+              </a:schemeClr>
+            </a:lnRef>
+            <a:fillRef idx="1">
+              <a:schemeClr val="accent1"/>
+            </a:fillRef>
+            <a:effectRef idx="0">
+              <a:schemeClr val="accent1"/>
+            </a:effectRef>
+            <a:fontRef idx="minor">
+              <a:schemeClr val="lt1"/>
+            </a:fontRef>
+          </p:style>
+          <p:txBody>
+            <a:bodyPr rtlCol="0" anchor="ctr"/>
+            <a:lstStyle/>
+            <a:p>
+              <a:pPr algn="ctr"/>
+              <a:r>
+                <a:rPr kumimoji="1" lang="en-US" altLang="ja-JP" dirty="0" smtClean="0"/>
+                <a:t>192.168.1.83</a:t>
+              </a:r>
+              <a:r>
+                <a:rPr kumimoji="1" lang="ja-JP" altLang="en-US" dirty="0" smtClean="0"/>
+                <a:t>ラズパイ</a:t>
+              </a:r>
+              <a:endParaRPr kumimoji="1" lang="en-US" altLang="ja-JP" dirty="0"/>
+            </a:p>
+            <a:p>
+              <a:pPr algn="ctr"/>
+              <a:endParaRPr kumimoji="1" lang="en-US" altLang="ja-JP" dirty="0" smtClean="0"/>
+            </a:p>
+            <a:p>
+              <a:pPr algn="ctr"/>
+              <a:endParaRPr kumimoji="1" lang="en-US" altLang="ja-JP" dirty="0"/>
+            </a:p>
+            <a:p>
+              <a:pPr algn="ctr"/>
+              <a:endParaRPr kumimoji="1" lang="en-US" altLang="ja-JP" dirty="0" smtClean="0"/>
+            </a:p>
+            <a:p>
+              <a:pPr algn="ctr"/>
+              <a:endParaRPr kumimoji="1" lang="en-US" altLang="ja-JP" dirty="0"/>
+            </a:p>
+            <a:p>
+              <a:pPr algn="ctr"/>
+              <a:endParaRPr kumimoji="1" lang="en-US" altLang="ja-JP" dirty="0" smtClean="0"/>
+            </a:p>
+            <a:p>
+              <a:pPr algn="ctr"/>
+              <a:endParaRPr kumimoji="1" lang="ja-JP" altLang="en-US" dirty="0"/>
+            </a:p>
+          </p:txBody>
+        </p:sp>
+        <p:sp>
+          <p:nvSpPr>
+            <p:cNvPr id="18" name="正方形/長方形 17"/>
+            <p:cNvSpPr/>
+            <p:nvPr/>
+          </p:nvSpPr>
+          <p:spPr>
+            <a:xfrm>
+              <a:off x="4572000" y="2112795"/>
+              <a:ext cx="1570276" cy="622799"/>
+            </a:xfrm>
+            <a:prstGeom prst="rect">
+              <a:avLst/>
+            </a:prstGeom>
+            <a:solidFill>
+              <a:schemeClr val="accent2">
+                <a:lumMod val="40000"/>
+                <a:lumOff val="60000"/>
+              </a:schemeClr>
+            </a:solidFill>
+          </p:spPr>
+          <p:style>
+            <a:lnRef idx="2">
+              <a:schemeClr val="accent1">
+                <a:shade val="50000"/>
+              </a:schemeClr>
+            </a:lnRef>
+            <a:fillRef idx="1">
+              <a:schemeClr val="accent1"/>
+            </a:fillRef>
+            <a:effectRef idx="0">
+              <a:schemeClr val="accent1"/>
+            </a:effectRef>
+            <a:fontRef idx="minor">
+              <a:schemeClr val="lt1"/>
+            </a:fontRef>
+          </p:style>
+          <p:txBody>
+            <a:bodyPr rtlCol="0" anchor="ctr"/>
+            <a:lstStyle/>
+            <a:p>
+              <a:pPr algn="ctr"/>
+              <a:r>
+                <a:rPr kumimoji="1" lang="ja-JP" altLang="en-US" dirty="0" smtClean="0">
+                  <a:solidFill>
+                    <a:schemeClr val="tx1"/>
+                  </a:solidFill>
+                </a:rPr>
+                <a:t>検索システム</a:t>
+              </a:r>
+              <a:endParaRPr kumimoji="1" lang="ja-JP" altLang="en-US" dirty="0">
+                <a:solidFill>
+                  <a:schemeClr val="tx1"/>
+                </a:solidFill>
+              </a:endParaRPr>
+            </a:p>
+          </p:txBody>
+        </p:sp>
+        <p:sp>
+          <p:nvSpPr>
+            <p:cNvPr id="19" name="フローチャート: 磁気ディスク 18"/>
+            <p:cNvSpPr/>
+            <p:nvPr/>
+          </p:nvSpPr>
+          <p:spPr>
+            <a:xfrm>
+              <a:off x="4769938" y="2766380"/>
+              <a:ext cx="1174399" cy="782637"/>
+            </a:xfrm>
+            <a:prstGeom prst="flowChartMagneticDisk">
+              <a:avLst/>
+            </a:prstGeom>
+            <a:solidFill>
+              <a:schemeClr val="accent6">
+                <a:lumMod val="60000"/>
+                <a:lumOff val="40000"/>
+              </a:schemeClr>
+            </a:solidFill>
+          </p:spPr>
+          <p:style>
+            <a:lnRef idx="2">
+              <a:schemeClr val="accent1">
+                <a:shade val="50000"/>
+              </a:schemeClr>
+            </a:lnRef>
+            <a:fillRef idx="1">
+              <a:schemeClr val="accent1"/>
+            </a:fillRef>
+            <a:effectRef idx="0">
+              <a:schemeClr val="accent1"/>
+            </a:effectRef>
+            <a:fontRef idx="minor">
+              <a:schemeClr val="lt1"/>
+            </a:fontRef>
+          </p:style>
+          <p:txBody>
+            <a:bodyPr rtlCol="0" anchor="ctr"/>
+            <a:lstStyle/>
+            <a:p>
+              <a:pPr algn="ctr"/>
+              <a:r>
+                <a:rPr kumimoji="1" lang="ja-JP" altLang="en-US" dirty="0" smtClean="0"/>
+                <a:t>観光地</a:t>
+              </a:r>
+              <a:r>
+                <a:rPr kumimoji="1" lang="en-US" altLang="ja-JP" dirty="0" smtClean="0"/>
+                <a:t>DB</a:t>
+              </a:r>
+              <a:endParaRPr kumimoji="1" lang="ja-JP" altLang="en-US" dirty="0"/>
+            </a:p>
+          </p:txBody>
+        </p:sp>
+      </p:grpSp>
+      <p:cxnSp>
+        <p:nvCxnSpPr>
+          <p:cNvPr id="20" name="直線矢印コネクタ 19"/>
+          <p:cNvCxnSpPr>
+            <a:stCxn id="11" idx="0"/>
+          </p:cNvCxnSpPr>
+          <p:nvPr/>
+        </p:nvCxnSpPr>
+        <p:spPr>
+          <a:xfrm flipH="1" flipV="1">
+            <a:off x="5769621" y="979136"/>
+            <a:ext cx="5563" cy="487706"/>
+          </a:xfrm>
+          <a:prstGeom prst="straightConnector1">
+            <a:avLst/>
+          </a:prstGeom>
+          <a:ln w="28575">
+            <a:tailEnd type="triangle"/>
+          </a:ln>
+        </p:spPr>
+        <p:style>
+          <a:lnRef idx="1">
+            <a:schemeClr val="accent2"/>
+          </a:lnRef>
+          <a:fillRef idx="0">
+            <a:schemeClr val="accent2"/>
+          </a:fillRef>
+          <a:effectRef idx="0">
+            <a:schemeClr val="accent2"/>
+          </a:effectRef>
+          <a:fontRef idx="minor">
+            <a:schemeClr val="tx1"/>
+          </a:fontRef>
+        </p:style>
+      </p:cxnSp>
+      <p:cxnSp>
+        <p:nvCxnSpPr>
+          <p:cNvPr id="21" name="直線矢印コネクタ 20"/>
+          <p:cNvCxnSpPr/>
+          <p:nvPr/>
+        </p:nvCxnSpPr>
+        <p:spPr>
+          <a:xfrm flipH="1" flipV="1">
+            <a:off x="5769621" y="3208636"/>
+            <a:ext cx="5563" cy="487706"/>
+          </a:xfrm>
+          <a:prstGeom prst="straightConnector1">
+            <a:avLst/>
+          </a:prstGeom>
+          <a:ln w="28575">
+            <a:tailEnd type="triangle"/>
+          </a:ln>
+        </p:spPr>
+        <p:style>
+          <a:lnRef idx="1">
+            <a:schemeClr val="accent2"/>
+          </a:lnRef>
+          <a:fillRef idx="0">
+            <a:schemeClr val="accent2"/>
+          </a:fillRef>
+          <a:effectRef idx="0">
+            <a:schemeClr val="accent2"/>
+          </a:effectRef>
+          <a:fontRef idx="minor">
+            <a:schemeClr val="tx1"/>
+          </a:fontRef>
+        </p:style>
+      </p:cxnSp>
+      <p:cxnSp>
+        <p:nvCxnSpPr>
+          <p:cNvPr id="22" name="直線矢印コネクタ 21"/>
+          <p:cNvCxnSpPr/>
+          <p:nvPr/>
+        </p:nvCxnSpPr>
+        <p:spPr>
+          <a:xfrm flipH="1" flipV="1">
+            <a:off x="5755966" y="5499965"/>
+            <a:ext cx="5563" cy="487706"/>
+          </a:xfrm>
+          <a:prstGeom prst="straightConnector1">
+            <a:avLst/>
+          </a:prstGeom>
+          <a:ln w="28575">
+            <a:tailEnd type="triangle"/>
+          </a:ln>
+        </p:spPr>
+        <p:style>
+          <a:lnRef idx="1">
+            <a:schemeClr val="accent2"/>
+          </a:lnRef>
+          <a:fillRef idx="0">
+            <a:schemeClr val="accent2"/>
+          </a:fillRef>
+          <a:effectRef idx="0">
+            <a:schemeClr val="accent2"/>
+          </a:effectRef>
+          <a:fontRef idx="minor">
+            <a:schemeClr val="tx1"/>
+          </a:fontRef>
+        </p:style>
+      </p:cxnSp>
+      <p:cxnSp>
+        <p:nvCxnSpPr>
+          <p:cNvPr id="23" name="直線矢印コネクタ 22"/>
+          <p:cNvCxnSpPr>
+            <a:stCxn id="5" idx="2"/>
+            <a:endCxn id="6" idx="0"/>
+          </p:cNvCxnSpPr>
+          <p:nvPr/>
+        </p:nvCxnSpPr>
+        <p:spPr>
+          <a:xfrm>
+            <a:off x="2411427" y="2499535"/>
+            <a:ext cx="0" cy="371063"/>
+          </a:xfrm>
+          <a:prstGeom prst="straightConnector1">
+            <a:avLst/>
+          </a:prstGeom>
+          <a:ln w="28575">
+            <a:solidFill>
+              <a:srgbClr val="FF0000"/>
+            </a:solidFill>
+            <a:tailEnd type="triangle"/>
+          </a:ln>
+        </p:spPr>
+        <p:style>
+          <a:lnRef idx="1">
+            <a:schemeClr val="accent1"/>
+          </a:lnRef>
+          <a:fillRef idx="0">
+            <a:schemeClr val="accent1"/>
+          </a:fillRef>
+          <a:effectRef idx="0">
+            <a:schemeClr val="accent1"/>
+          </a:effectRef>
+          <a:fontRef idx="minor">
+            <a:schemeClr val="tx1"/>
+          </a:fontRef>
+        </p:style>
+      </p:cxnSp>
+      <p:cxnSp>
+        <p:nvCxnSpPr>
+          <p:cNvPr id="24" name="直線矢印コネクタ 23"/>
+          <p:cNvCxnSpPr>
+            <a:stCxn id="6" idx="2"/>
+            <a:endCxn id="7" idx="0"/>
+          </p:cNvCxnSpPr>
+          <p:nvPr/>
+        </p:nvCxnSpPr>
+        <p:spPr>
+          <a:xfrm>
+            <a:off x="2411427" y="3657494"/>
+            <a:ext cx="0" cy="292650"/>
+          </a:xfrm>
+          <a:prstGeom prst="straightConnector1">
+            <a:avLst/>
+          </a:prstGeom>
+          <a:ln w="28575">
+            <a:solidFill>
+              <a:srgbClr val="FF0000"/>
+            </a:solidFill>
+            <a:tailEnd type="triangle"/>
+          </a:ln>
+        </p:spPr>
+        <p:style>
+          <a:lnRef idx="1">
+            <a:schemeClr val="accent1"/>
+          </a:lnRef>
+          <a:fillRef idx="0">
+            <a:schemeClr val="accent1"/>
+          </a:fillRef>
+          <a:effectRef idx="0">
+            <a:schemeClr val="accent1"/>
+          </a:effectRef>
+          <a:fontRef idx="minor">
+            <a:schemeClr val="tx1"/>
+          </a:fontRef>
+        </p:style>
+      </p:cxnSp>
+      <p:cxnSp>
+        <p:nvCxnSpPr>
+          <p:cNvPr id="25" name="直線矢印コネクタ 24"/>
+          <p:cNvCxnSpPr>
+            <a:endCxn id="18" idx="1"/>
+          </p:cNvCxnSpPr>
+          <p:nvPr/>
+        </p:nvCxnSpPr>
+        <p:spPr>
+          <a:xfrm>
+            <a:off x="3191003" y="2337151"/>
+            <a:ext cx="1799042" cy="3019679"/>
+          </a:xfrm>
+          <a:prstGeom prst="straightConnector1">
+            <a:avLst/>
+          </a:prstGeom>
+          <a:ln w="19050">
+            <a:solidFill>
+              <a:srgbClr val="FF0000"/>
+            </a:solidFill>
+            <a:headEnd type="triangle"/>
+            <a:tailEnd type="triangle"/>
+          </a:ln>
+        </p:spPr>
+        <p:style>
+          <a:lnRef idx="1">
+            <a:schemeClr val="accent1"/>
+          </a:lnRef>
+          <a:fillRef idx="0">
+            <a:schemeClr val="accent1"/>
+          </a:fillRef>
+          <a:effectRef idx="0">
+            <a:schemeClr val="accent1"/>
+          </a:effectRef>
+          <a:fontRef idx="minor">
+            <a:schemeClr val="tx1"/>
+          </a:fontRef>
+        </p:style>
+      </p:cxnSp>
+      <p:cxnSp>
+        <p:nvCxnSpPr>
+          <p:cNvPr id="26" name="直線矢印コネクタ 25"/>
+          <p:cNvCxnSpPr>
+            <a:stCxn id="5" idx="3"/>
+            <a:endCxn id="14" idx="1"/>
+          </p:cNvCxnSpPr>
+          <p:nvPr/>
+        </p:nvCxnSpPr>
+        <p:spPr>
+          <a:xfrm>
+            <a:off x="3208492" y="2106087"/>
+            <a:ext cx="1781554" cy="1004217"/>
+          </a:xfrm>
+          <a:prstGeom prst="straightConnector1">
+            <a:avLst/>
+          </a:prstGeom>
+          <a:ln w="19050">
+            <a:solidFill>
+              <a:srgbClr val="FF0000"/>
+            </a:solidFill>
+            <a:headEnd type="triangle"/>
+            <a:tailEnd type="triangle"/>
+          </a:ln>
+        </p:spPr>
+        <p:style>
+          <a:lnRef idx="1">
+            <a:schemeClr val="accent1"/>
+          </a:lnRef>
+          <a:fillRef idx="0">
+            <a:schemeClr val="accent1"/>
+          </a:fillRef>
+          <a:effectRef idx="0">
+            <a:schemeClr val="accent1"/>
+          </a:effectRef>
+          <a:fontRef idx="minor">
+            <a:schemeClr val="tx1"/>
+          </a:fontRef>
+        </p:style>
+      </p:cxnSp>
+      <p:cxnSp>
+        <p:nvCxnSpPr>
+          <p:cNvPr id="27" name="直線矢印コネクタ 26"/>
+          <p:cNvCxnSpPr>
+            <a:endCxn id="10" idx="1"/>
+          </p:cNvCxnSpPr>
+          <p:nvPr/>
+        </p:nvCxnSpPr>
+        <p:spPr>
+          <a:xfrm flipV="1">
+            <a:off x="3191003" y="863778"/>
+            <a:ext cx="1799043" cy="1102310"/>
+          </a:xfrm>
+          <a:prstGeom prst="straightConnector1">
+            <a:avLst/>
+          </a:prstGeom>
+          <a:ln w="19050">
+            <a:solidFill>
+              <a:srgbClr val="FF0000"/>
+            </a:solidFill>
+            <a:headEnd type="triangle"/>
+            <a:tailEnd type="triangle"/>
+          </a:ln>
+        </p:spPr>
+        <p:style>
+          <a:lnRef idx="1">
+            <a:schemeClr val="accent1"/>
+          </a:lnRef>
+          <a:fillRef idx="0">
+            <a:schemeClr val="accent1"/>
+          </a:fillRef>
+          <a:effectRef idx="0">
+            <a:schemeClr val="accent1"/>
+          </a:effectRef>
+          <a:fontRef idx="minor">
+            <a:schemeClr val="tx1"/>
+          </a:fontRef>
+        </p:style>
+      </p:cxnSp>
+    </p:spTree>
+    <p:extLst>
+      <p:ext uri="{BB962C8B-B14F-4D97-AF65-F5344CB8AC3E}">
+        <p14:creationId xmlns:p14="http://schemas.microsoft.com/office/powerpoint/2010/main" val="916535561"/>
+      </p:ext>
+    </p:extLst>
+  </p:cSld>
+  <p:clrMapOvr>
+    <a:masterClrMapping/>
+  </p:clrMapOvr>
+</p:sld>
+</file>
+
 <file path=ppt/theme/theme1.xml><?xml version="1.0" encoding="utf-8"?>
 <a:theme xmlns:a="http://schemas.openxmlformats.org/drawingml/2006/main" name="Office テーマ">
   <a:themeElements>
